--- a/Activity Diagram.pptx
+++ b/Activity Diagram.pptx
@@ -6,6 +6,7 @@
   </p:sldMasterIdLst>
   <p:sldIdLst>
     <p:sldId id="256" r:id="rId2"/>
+    <p:sldId id="258" r:id="rId3"/>
   </p:sldIdLst>
   <p:sldSz cx="12192000" cy="6858000"/>
   <p:notesSz cx="6858000" cy="9144000"/>
@@ -243,7 +244,7 @@
           <a:p>
             <a:fld id="{190FAD4F-986B-4F64-92FE-C0464385CA7A}" type="datetimeFigureOut">
               <a:rPr lang="en-GB" smtClean="0"/>
-              <a:t>15/02/2016</a:t>
+              <a:t>13/03/2016</a:t>
             </a:fld>
             <a:endParaRPr lang="en-GB"/>
           </a:p>
@@ -413,7 +414,7 @@
           <a:p>
             <a:fld id="{190FAD4F-986B-4F64-92FE-C0464385CA7A}" type="datetimeFigureOut">
               <a:rPr lang="en-GB" smtClean="0"/>
-              <a:t>15/02/2016</a:t>
+              <a:t>13/03/2016</a:t>
             </a:fld>
             <a:endParaRPr lang="en-GB"/>
           </a:p>
@@ -593,7 +594,7 @@
           <a:p>
             <a:fld id="{190FAD4F-986B-4F64-92FE-C0464385CA7A}" type="datetimeFigureOut">
               <a:rPr lang="en-GB" smtClean="0"/>
-              <a:t>15/02/2016</a:t>
+              <a:t>13/03/2016</a:t>
             </a:fld>
             <a:endParaRPr lang="en-GB"/>
           </a:p>
@@ -763,7 +764,7 @@
           <a:p>
             <a:fld id="{190FAD4F-986B-4F64-92FE-C0464385CA7A}" type="datetimeFigureOut">
               <a:rPr lang="en-GB" smtClean="0"/>
-              <a:t>15/02/2016</a:t>
+              <a:t>13/03/2016</a:t>
             </a:fld>
             <a:endParaRPr lang="en-GB"/>
           </a:p>
@@ -1009,7 +1010,7 @@
           <a:p>
             <a:fld id="{190FAD4F-986B-4F64-92FE-C0464385CA7A}" type="datetimeFigureOut">
               <a:rPr lang="en-GB" smtClean="0"/>
-              <a:t>15/02/2016</a:t>
+              <a:t>13/03/2016</a:t>
             </a:fld>
             <a:endParaRPr lang="en-GB"/>
           </a:p>
@@ -1241,7 +1242,7 @@
           <a:p>
             <a:fld id="{190FAD4F-986B-4F64-92FE-C0464385CA7A}" type="datetimeFigureOut">
               <a:rPr lang="en-GB" smtClean="0"/>
-              <a:t>15/02/2016</a:t>
+              <a:t>13/03/2016</a:t>
             </a:fld>
             <a:endParaRPr lang="en-GB"/>
           </a:p>
@@ -1608,7 +1609,7 @@
           <a:p>
             <a:fld id="{190FAD4F-986B-4F64-92FE-C0464385CA7A}" type="datetimeFigureOut">
               <a:rPr lang="en-GB" smtClean="0"/>
-              <a:t>15/02/2016</a:t>
+              <a:t>13/03/2016</a:t>
             </a:fld>
             <a:endParaRPr lang="en-GB"/>
           </a:p>
@@ -1726,7 +1727,7 @@
           <a:p>
             <a:fld id="{190FAD4F-986B-4F64-92FE-C0464385CA7A}" type="datetimeFigureOut">
               <a:rPr lang="en-GB" smtClean="0"/>
-              <a:t>15/02/2016</a:t>
+              <a:t>13/03/2016</a:t>
             </a:fld>
             <a:endParaRPr lang="en-GB"/>
           </a:p>
@@ -1821,7 +1822,7 @@
           <a:p>
             <a:fld id="{190FAD4F-986B-4F64-92FE-C0464385CA7A}" type="datetimeFigureOut">
               <a:rPr lang="en-GB" smtClean="0"/>
-              <a:t>15/02/2016</a:t>
+              <a:t>13/03/2016</a:t>
             </a:fld>
             <a:endParaRPr lang="en-GB"/>
           </a:p>
@@ -2098,7 +2099,7 @@
           <a:p>
             <a:fld id="{190FAD4F-986B-4F64-92FE-C0464385CA7A}" type="datetimeFigureOut">
               <a:rPr lang="en-GB" smtClean="0"/>
-              <a:t>15/02/2016</a:t>
+              <a:t>13/03/2016</a:t>
             </a:fld>
             <a:endParaRPr lang="en-GB"/>
           </a:p>
@@ -2351,7 +2352,7 @@
           <a:p>
             <a:fld id="{190FAD4F-986B-4F64-92FE-C0464385CA7A}" type="datetimeFigureOut">
               <a:rPr lang="en-GB" smtClean="0"/>
-              <a:t>15/02/2016</a:t>
+              <a:t>13/03/2016</a:t>
             </a:fld>
             <a:endParaRPr lang="en-GB"/>
           </a:p>
@@ -2564,7 +2565,7 @@
           <a:p>
             <a:fld id="{190FAD4F-986B-4F64-92FE-C0464385CA7A}" type="datetimeFigureOut">
               <a:rPr lang="en-GB" smtClean="0"/>
-              <a:t>15/02/2016</a:t>
+              <a:t>13/03/2016</a:t>
             </a:fld>
             <a:endParaRPr lang="en-GB"/>
           </a:p>
@@ -7483,6 +7484,3496 @@
 </p:sld>
 </file>
 
+<file path=ppt/slides/slide2.xml><?xml version="1.0" encoding="utf-8"?>
+<p:sld xmlns:a="http://schemas.openxmlformats.org/drawingml/2006/main" xmlns:r="http://schemas.openxmlformats.org/officeDocument/2006/relationships" xmlns:p="http://schemas.openxmlformats.org/presentationml/2006/main">
+  <p:cSld>
+    <p:spTree>
+      <p:nvGrpSpPr>
+        <p:cNvPr id="1" name=""/>
+        <p:cNvGrpSpPr/>
+        <p:nvPr/>
+      </p:nvGrpSpPr>
+      <p:grpSpPr>
+        <a:xfrm>
+          <a:off x="0" y="0"/>
+          <a:ext cx="0" cy="0"/>
+          <a:chOff x="0" y="0"/>
+          <a:chExt cx="0" cy="0"/>
+        </a:xfrm>
+      </p:grpSpPr>
+      <p:sp>
+        <p:nvSpPr>
+          <p:cNvPr id="4" name="Oval 3"/>
+          <p:cNvSpPr/>
+          <p:nvPr/>
+        </p:nvSpPr>
+        <p:spPr>
+          <a:xfrm>
+            <a:off x="2474760" y="1042482"/>
+            <a:ext cx="256673" cy="256673"/>
+          </a:xfrm>
+          <a:prstGeom prst="ellipse">
+            <a:avLst/>
+          </a:prstGeom>
+        </p:spPr>
+        <p:style>
+          <a:lnRef idx="2">
+            <a:schemeClr val="dk1">
+              <a:shade val="50000"/>
+            </a:schemeClr>
+          </a:lnRef>
+          <a:fillRef idx="1">
+            <a:schemeClr val="dk1"/>
+          </a:fillRef>
+          <a:effectRef idx="0">
+            <a:schemeClr val="dk1"/>
+          </a:effectRef>
+          <a:fontRef idx="minor">
+            <a:schemeClr val="lt1"/>
+          </a:fontRef>
+        </p:style>
+        <p:txBody>
+          <a:bodyPr rtlCol="0" anchor="ctr"/>
+          <a:lstStyle/>
+          <a:p>
+            <a:pPr algn="ctr"/>
+            <a:endParaRPr lang="en-GB"/>
+          </a:p>
+        </p:txBody>
+      </p:sp>
+      <p:grpSp>
+        <p:nvGrpSpPr>
+          <p:cNvPr id="21" name="Group 20"/>
+          <p:cNvGrpSpPr/>
+          <p:nvPr/>
+        </p:nvGrpSpPr>
+        <p:grpSpPr>
+          <a:xfrm>
+            <a:off x="3337511" y="929063"/>
+            <a:ext cx="981075" cy="457200"/>
+            <a:chOff x="1533525" y="1428750"/>
+            <a:chExt cx="1076325" cy="457200"/>
+          </a:xfrm>
+        </p:grpSpPr>
+        <p:sp>
+          <p:nvSpPr>
+            <p:cNvPr id="22" name="Rounded Rectangle 21"/>
+            <p:cNvSpPr/>
+            <p:nvPr/>
+          </p:nvSpPr>
+          <p:spPr>
+            <a:xfrm>
+              <a:off x="1533525" y="1428750"/>
+              <a:ext cx="1076325" cy="457200"/>
+            </a:xfrm>
+            <a:prstGeom prst="roundRect">
+              <a:avLst/>
+            </a:prstGeom>
+            <a:noFill/>
+            <a:ln>
+              <a:solidFill>
+                <a:schemeClr val="tx1"/>
+              </a:solidFill>
+            </a:ln>
+          </p:spPr>
+          <p:style>
+            <a:lnRef idx="2">
+              <a:schemeClr val="accent1">
+                <a:shade val="50000"/>
+              </a:schemeClr>
+            </a:lnRef>
+            <a:fillRef idx="1">
+              <a:schemeClr val="accent1"/>
+            </a:fillRef>
+            <a:effectRef idx="0">
+              <a:schemeClr val="accent1"/>
+            </a:effectRef>
+            <a:fontRef idx="minor">
+              <a:schemeClr val="lt1"/>
+            </a:fontRef>
+          </p:style>
+          <p:txBody>
+            <a:bodyPr rtlCol="0" anchor="ctr"/>
+            <a:lstStyle/>
+            <a:p>
+              <a:pPr algn="ctr"/>
+              <a:endParaRPr lang="en-GB"/>
+            </a:p>
+          </p:txBody>
+        </p:sp>
+        <p:sp>
+          <p:nvSpPr>
+            <p:cNvPr id="23" name="TextBox 22"/>
+            <p:cNvSpPr txBox="1"/>
+            <p:nvPr/>
+          </p:nvSpPr>
+          <p:spPr>
+            <a:xfrm>
+              <a:off x="1581150" y="1526545"/>
+              <a:ext cx="981075" cy="261610"/>
+            </a:xfrm>
+            <a:prstGeom prst="rect">
+              <a:avLst/>
+            </a:prstGeom>
+            <a:noFill/>
+          </p:spPr>
+          <p:txBody>
+            <a:bodyPr wrap="square" rtlCol="0">
+              <a:spAutoFit/>
+            </a:bodyPr>
+            <a:lstStyle/>
+            <a:p>
+              <a:pPr algn="ctr"/>
+              <a:r>
+                <a:rPr lang="en-GB" sz="1100" dirty="0" smtClean="0"/>
+                <a:t>Start game  </a:t>
+              </a:r>
+              <a:endParaRPr lang="en-GB" sz="1100" dirty="0"/>
+            </a:p>
+          </p:txBody>
+        </p:sp>
+      </p:grpSp>
+      <p:grpSp>
+        <p:nvGrpSpPr>
+          <p:cNvPr id="78" name="Group 77"/>
+          <p:cNvGrpSpPr/>
+          <p:nvPr/>
+        </p:nvGrpSpPr>
+        <p:grpSpPr>
+          <a:xfrm>
+            <a:off x="4607458" y="116805"/>
+            <a:ext cx="970547" cy="438150"/>
+            <a:chOff x="457200" y="2209800"/>
+            <a:chExt cx="970547" cy="438150"/>
+          </a:xfrm>
+        </p:grpSpPr>
+        <p:sp>
+          <p:nvSpPr>
+            <p:cNvPr id="79" name="Rectangle 78"/>
+            <p:cNvSpPr/>
+            <p:nvPr/>
+          </p:nvSpPr>
+          <p:spPr>
+            <a:xfrm>
+              <a:off x="457200" y="2209800"/>
+              <a:ext cx="970547" cy="438150"/>
+            </a:xfrm>
+            <a:prstGeom prst="rect">
+              <a:avLst/>
+            </a:prstGeom>
+            <a:noFill/>
+            <a:ln>
+              <a:solidFill>
+                <a:schemeClr val="tx1"/>
+              </a:solidFill>
+            </a:ln>
+          </p:spPr>
+          <p:style>
+            <a:lnRef idx="2">
+              <a:schemeClr val="accent1">
+                <a:shade val="50000"/>
+              </a:schemeClr>
+            </a:lnRef>
+            <a:fillRef idx="1">
+              <a:schemeClr val="accent1"/>
+            </a:fillRef>
+            <a:effectRef idx="0">
+              <a:schemeClr val="accent1"/>
+            </a:effectRef>
+            <a:fontRef idx="minor">
+              <a:schemeClr val="lt1"/>
+            </a:fontRef>
+          </p:style>
+          <p:txBody>
+            <a:bodyPr rtlCol="0" anchor="ctr"/>
+            <a:lstStyle/>
+            <a:p>
+              <a:pPr algn="ctr"/>
+              <a:endParaRPr lang="en-GB"/>
+            </a:p>
+          </p:txBody>
+        </p:sp>
+        <p:sp>
+          <p:nvSpPr>
+            <p:cNvPr id="80" name="TextBox 79"/>
+            <p:cNvSpPr txBox="1"/>
+            <p:nvPr/>
+          </p:nvSpPr>
+          <p:spPr>
+            <a:xfrm>
+              <a:off x="457200" y="2210134"/>
+              <a:ext cx="970547" cy="430887"/>
+            </a:xfrm>
+            <a:prstGeom prst="rect">
+              <a:avLst/>
+            </a:prstGeom>
+            <a:noFill/>
+          </p:spPr>
+          <p:txBody>
+            <a:bodyPr wrap="square" rtlCol="0">
+              <a:spAutoFit/>
+            </a:bodyPr>
+            <a:lstStyle/>
+            <a:p>
+              <a:pPr algn="ctr"/>
+              <a:r>
+                <a:rPr lang="en-GB" sz="1100" dirty="0" smtClean="0"/>
+                <a:t>User type input </a:t>
+              </a:r>
+              <a:endParaRPr lang="en-GB" sz="1100" dirty="0"/>
+            </a:p>
+          </p:txBody>
+        </p:sp>
+      </p:grpSp>
+      <p:grpSp>
+        <p:nvGrpSpPr>
+          <p:cNvPr id="81" name="Group 80"/>
+          <p:cNvGrpSpPr/>
+          <p:nvPr/>
+        </p:nvGrpSpPr>
+        <p:grpSpPr>
+          <a:xfrm>
+            <a:off x="4604338" y="929063"/>
+            <a:ext cx="981075" cy="457200"/>
+            <a:chOff x="1533525" y="1428750"/>
+            <a:chExt cx="1076325" cy="457200"/>
+          </a:xfrm>
+        </p:grpSpPr>
+        <p:sp>
+          <p:nvSpPr>
+            <p:cNvPr id="82" name="Rounded Rectangle 81"/>
+            <p:cNvSpPr/>
+            <p:nvPr/>
+          </p:nvSpPr>
+          <p:spPr>
+            <a:xfrm>
+              <a:off x="1533525" y="1428750"/>
+              <a:ext cx="1076325" cy="457200"/>
+            </a:xfrm>
+            <a:prstGeom prst="roundRect">
+              <a:avLst/>
+            </a:prstGeom>
+            <a:noFill/>
+            <a:ln>
+              <a:solidFill>
+                <a:schemeClr val="tx1"/>
+              </a:solidFill>
+            </a:ln>
+          </p:spPr>
+          <p:style>
+            <a:lnRef idx="2">
+              <a:schemeClr val="accent1">
+                <a:shade val="50000"/>
+              </a:schemeClr>
+            </a:lnRef>
+            <a:fillRef idx="1">
+              <a:schemeClr val="accent1"/>
+            </a:fillRef>
+            <a:effectRef idx="0">
+              <a:schemeClr val="accent1"/>
+            </a:effectRef>
+            <a:fontRef idx="minor">
+              <a:schemeClr val="lt1"/>
+            </a:fontRef>
+          </p:style>
+          <p:txBody>
+            <a:bodyPr rtlCol="0" anchor="ctr"/>
+            <a:lstStyle/>
+            <a:p>
+              <a:pPr algn="ctr"/>
+              <a:endParaRPr lang="en-GB"/>
+            </a:p>
+          </p:txBody>
+        </p:sp>
+        <p:sp>
+          <p:nvSpPr>
+            <p:cNvPr id="83" name="TextBox 82"/>
+            <p:cNvSpPr txBox="1"/>
+            <p:nvPr/>
+          </p:nvSpPr>
+          <p:spPr>
+            <a:xfrm>
+              <a:off x="1581149" y="1455063"/>
+              <a:ext cx="981075" cy="430887"/>
+            </a:xfrm>
+            <a:prstGeom prst="rect">
+              <a:avLst/>
+            </a:prstGeom>
+            <a:noFill/>
+          </p:spPr>
+          <p:txBody>
+            <a:bodyPr wrap="square" rtlCol="0">
+              <a:spAutoFit/>
+            </a:bodyPr>
+            <a:lstStyle/>
+            <a:p>
+              <a:pPr algn="ctr"/>
+              <a:r>
+                <a:rPr lang="en-GB" sz="1100" dirty="0" smtClean="0"/>
+                <a:t>Receive user input  </a:t>
+              </a:r>
+              <a:endParaRPr lang="en-GB" sz="1100" dirty="0"/>
+            </a:p>
+          </p:txBody>
+        </p:sp>
+      </p:grpSp>
+      <p:cxnSp>
+        <p:nvCxnSpPr>
+          <p:cNvPr id="85" name="Straight Arrow Connector 84"/>
+          <p:cNvCxnSpPr>
+            <a:stCxn id="22" idx="3"/>
+            <a:endCxn id="82" idx="1"/>
+          </p:cNvCxnSpPr>
+          <p:nvPr/>
+        </p:nvCxnSpPr>
+        <p:spPr>
+          <a:xfrm>
+            <a:off x="4318586" y="1157663"/>
+            <a:ext cx="285752" cy="0"/>
+          </a:xfrm>
+          <a:prstGeom prst="straightConnector1">
+            <a:avLst/>
+          </a:prstGeom>
+          <a:ln>
+            <a:tailEnd type="triangle"/>
+          </a:ln>
+        </p:spPr>
+        <p:style>
+          <a:lnRef idx="1">
+            <a:schemeClr val="dk1"/>
+          </a:lnRef>
+          <a:fillRef idx="0">
+            <a:schemeClr val="dk1"/>
+          </a:fillRef>
+          <a:effectRef idx="0">
+            <a:schemeClr val="dk1"/>
+          </a:effectRef>
+          <a:fontRef idx="minor">
+            <a:schemeClr val="tx1"/>
+          </a:fontRef>
+        </p:style>
+      </p:cxnSp>
+      <p:cxnSp>
+        <p:nvCxnSpPr>
+          <p:cNvPr id="88" name="Straight Arrow Connector 87"/>
+          <p:cNvCxnSpPr>
+            <a:stCxn id="79" idx="2"/>
+            <a:endCxn id="82" idx="0"/>
+          </p:cNvCxnSpPr>
+          <p:nvPr/>
+        </p:nvCxnSpPr>
+        <p:spPr>
+          <a:xfrm>
+            <a:off x="5092732" y="554955"/>
+            <a:ext cx="2144" cy="374108"/>
+          </a:xfrm>
+          <a:prstGeom prst="straightConnector1">
+            <a:avLst/>
+          </a:prstGeom>
+          <a:ln>
+            <a:tailEnd type="triangle"/>
+          </a:ln>
+        </p:spPr>
+        <p:style>
+          <a:lnRef idx="1">
+            <a:schemeClr val="dk1"/>
+          </a:lnRef>
+          <a:fillRef idx="0">
+            <a:schemeClr val="dk1"/>
+          </a:fillRef>
+          <a:effectRef idx="0">
+            <a:schemeClr val="dk1"/>
+          </a:effectRef>
+          <a:fontRef idx="minor">
+            <a:schemeClr val="tx1"/>
+          </a:fontRef>
+        </p:style>
+      </p:cxnSp>
+      <p:grpSp>
+        <p:nvGrpSpPr>
+          <p:cNvPr id="89" name="Group 88"/>
+          <p:cNvGrpSpPr/>
+          <p:nvPr/>
+        </p:nvGrpSpPr>
+        <p:grpSpPr>
+          <a:xfrm>
+            <a:off x="5825611" y="929063"/>
+            <a:ext cx="1133476" cy="617708"/>
+            <a:chOff x="1533525" y="1428750"/>
+            <a:chExt cx="1076325" cy="617708"/>
+          </a:xfrm>
+        </p:grpSpPr>
+        <p:sp>
+          <p:nvSpPr>
+            <p:cNvPr id="90" name="Rounded Rectangle 89"/>
+            <p:cNvSpPr/>
+            <p:nvPr/>
+          </p:nvSpPr>
+          <p:spPr>
+            <a:xfrm>
+              <a:off x="1533525" y="1428750"/>
+              <a:ext cx="1076325" cy="457200"/>
+            </a:xfrm>
+            <a:prstGeom prst="roundRect">
+              <a:avLst/>
+            </a:prstGeom>
+            <a:noFill/>
+            <a:ln>
+              <a:solidFill>
+                <a:schemeClr val="tx1"/>
+              </a:solidFill>
+            </a:ln>
+          </p:spPr>
+          <p:style>
+            <a:lnRef idx="2">
+              <a:schemeClr val="accent1">
+                <a:shade val="50000"/>
+              </a:schemeClr>
+            </a:lnRef>
+            <a:fillRef idx="1">
+              <a:schemeClr val="accent1"/>
+            </a:fillRef>
+            <a:effectRef idx="0">
+              <a:schemeClr val="accent1"/>
+            </a:effectRef>
+            <a:fontRef idx="minor">
+              <a:schemeClr val="lt1"/>
+            </a:fontRef>
+          </p:style>
+          <p:txBody>
+            <a:bodyPr rtlCol="0" anchor="ctr"/>
+            <a:lstStyle/>
+            <a:p>
+              <a:pPr algn="ctr"/>
+              <a:endParaRPr lang="en-GB"/>
+            </a:p>
+          </p:txBody>
+        </p:sp>
+        <p:sp>
+          <p:nvSpPr>
+            <p:cNvPr id="91" name="TextBox 90"/>
+            <p:cNvSpPr txBox="1"/>
+            <p:nvPr/>
+          </p:nvSpPr>
+          <p:spPr>
+            <a:xfrm>
+              <a:off x="1581150" y="1446294"/>
+              <a:ext cx="981075" cy="600164"/>
+            </a:xfrm>
+            <a:prstGeom prst="rect">
+              <a:avLst/>
+            </a:prstGeom>
+            <a:noFill/>
+          </p:spPr>
+          <p:txBody>
+            <a:bodyPr wrap="square" rtlCol="0">
+              <a:spAutoFit/>
+            </a:bodyPr>
+            <a:lstStyle/>
+            <a:p>
+              <a:pPr algn="ctr"/>
+              <a:r>
+                <a:rPr lang="en-GB" sz="1100" dirty="0" smtClean="0"/>
+                <a:t>Highlight users type chosen  </a:t>
+              </a:r>
+              <a:endParaRPr lang="en-GB" sz="1100" dirty="0"/>
+            </a:p>
+          </p:txBody>
+        </p:sp>
+      </p:grpSp>
+      <p:cxnSp>
+        <p:nvCxnSpPr>
+          <p:cNvPr id="93" name="Straight Arrow Connector 92"/>
+          <p:cNvCxnSpPr>
+            <a:stCxn id="82" idx="3"/>
+            <a:endCxn id="90" idx="1"/>
+          </p:cNvCxnSpPr>
+          <p:nvPr/>
+        </p:nvCxnSpPr>
+        <p:spPr>
+          <a:xfrm>
+            <a:off x="5585413" y="1157663"/>
+            <a:ext cx="240198" cy="0"/>
+          </a:xfrm>
+          <a:prstGeom prst="straightConnector1">
+            <a:avLst/>
+          </a:prstGeom>
+          <a:ln>
+            <a:tailEnd type="triangle"/>
+          </a:ln>
+        </p:spPr>
+        <p:style>
+          <a:lnRef idx="1">
+            <a:schemeClr val="dk1"/>
+          </a:lnRef>
+          <a:fillRef idx="0">
+            <a:schemeClr val="dk1"/>
+          </a:fillRef>
+          <a:effectRef idx="0">
+            <a:schemeClr val="dk1"/>
+          </a:effectRef>
+          <a:fontRef idx="minor">
+            <a:schemeClr val="tx1"/>
+          </a:fontRef>
+        </p:style>
+      </p:cxnSp>
+      <p:grpSp>
+        <p:nvGrpSpPr>
+          <p:cNvPr id="94" name="Group 93"/>
+          <p:cNvGrpSpPr/>
+          <p:nvPr/>
+        </p:nvGrpSpPr>
+        <p:grpSpPr>
+          <a:xfrm>
+            <a:off x="5774552" y="1581853"/>
+            <a:ext cx="1235590" cy="633174"/>
+            <a:chOff x="1533525" y="1428750"/>
+            <a:chExt cx="1076325" cy="633174"/>
+          </a:xfrm>
+        </p:grpSpPr>
+        <p:sp>
+          <p:nvSpPr>
+            <p:cNvPr id="95" name="Rounded Rectangle 94"/>
+            <p:cNvSpPr/>
+            <p:nvPr/>
+          </p:nvSpPr>
+          <p:spPr>
+            <a:xfrm>
+              <a:off x="1533525" y="1428750"/>
+              <a:ext cx="1076325" cy="457200"/>
+            </a:xfrm>
+            <a:prstGeom prst="roundRect">
+              <a:avLst/>
+            </a:prstGeom>
+            <a:noFill/>
+            <a:ln>
+              <a:solidFill>
+                <a:schemeClr val="tx1"/>
+              </a:solidFill>
+            </a:ln>
+          </p:spPr>
+          <p:style>
+            <a:lnRef idx="2">
+              <a:schemeClr val="accent1">
+                <a:shade val="50000"/>
+              </a:schemeClr>
+            </a:lnRef>
+            <a:fillRef idx="1">
+              <a:schemeClr val="accent1"/>
+            </a:fillRef>
+            <a:effectRef idx="0">
+              <a:schemeClr val="accent1"/>
+            </a:effectRef>
+            <a:fontRef idx="minor">
+              <a:schemeClr val="lt1"/>
+            </a:fontRef>
+          </p:style>
+          <p:txBody>
+            <a:bodyPr rtlCol="0" anchor="ctr"/>
+            <a:lstStyle/>
+            <a:p>
+              <a:pPr algn="ctr"/>
+              <a:endParaRPr lang="en-GB"/>
+            </a:p>
+          </p:txBody>
+        </p:sp>
+        <p:sp>
+          <p:nvSpPr>
+            <p:cNvPr id="96" name="TextBox 95"/>
+            <p:cNvSpPr txBox="1"/>
+            <p:nvPr/>
+          </p:nvSpPr>
+          <p:spPr>
+            <a:xfrm>
+              <a:off x="1575246" y="1461760"/>
+              <a:ext cx="981075" cy="600164"/>
+            </a:xfrm>
+            <a:prstGeom prst="rect">
+              <a:avLst/>
+            </a:prstGeom>
+            <a:noFill/>
+          </p:spPr>
+          <p:txBody>
+            <a:bodyPr wrap="square" rtlCol="0">
+              <a:spAutoFit/>
+            </a:bodyPr>
+            <a:lstStyle/>
+            <a:p>
+              <a:pPr algn="ctr"/>
+              <a:r>
+                <a:rPr lang="en-GB" sz="1100" dirty="0" smtClean="0"/>
+                <a:t>Displays list of cheapest items   </a:t>
+              </a:r>
+              <a:endParaRPr lang="en-GB" sz="1100" dirty="0"/>
+            </a:p>
+          </p:txBody>
+        </p:sp>
+      </p:grpSp>
+      <p:cxnSp>
+        <p:nvCxnSpPr>
+          <p:cNvPr id="102" name="Straight Arrow Connector 101"/>
+          <p:cNvCxnSpPr>
+            <a:stCxn id="90" idx="2"/>
+            <a:endCxn id="95" idx="0"/>
+          </p:cNvCxnSpPr>
+          <p:nvPr/>
+        </p:nvCxnSpPr>
+        <p:spPr>
+          <a:xfrm flipH="1">
+            <a:off x="6392347" y="1386263"/>
+            <a:ext cx="2" cy="195590"/>
+          </a:xfrm>
+          <a:prstGeom prst="straightConnector1">
+            <a:avLst/>
+          </a:prstGeom>
+          <a:ln>
+            <a:tailEnd type="triangle"/>
+          </a:ln>
+        </p:spPr>
+        <p:style>
+          <a:lnRef idx="1">
+            <a:schemeClr val="dk1"/>
+          </a:lnRef>
+          <a:fillRef idx="0">
+            <a:schemeClr val="dk1"/>
+          </a:fillRef>
+          <a:effectRef idx="0">
+            <a:schemeClr val="dk1"/>
+          </a:effectRef>
+          <a:fontRef idx="minor">
+            <a:schemeClr val="tx1"/>
+          </a:fontRef>
+        </p:style>
+      </p:cxnSp>
+      <p:grpSp>
+        <p:nvGrpSpPr>
+          <p:cNvPr id="103" name="Group 102"/>
+          <p:cNvGrpSpPr/>
+          <p:nvPr/>
+        </p:nvGrpSpPr>
+        <p:grpSpPr>
+          <a:xfrm>
+            <a:off x="5885372" y="2252015"/>
+            <a:ext cx="1023561" cy="466107"/>
+            <a:chOff x="1533525" y="1428750"/>
+            <a:chExt cx="1076325" cy="466107"/>
+          </a:xfrm>
+        </p:grpSpPr>
+        <p:sp>
+          <p:nvSpPr>
+            <p:cNvPr id="104" name="Rounded Rectangle 103"/>
+            <p:cNvSpPr/>
+            <p:nvPr/>
+          </p:nvSpPr>
+          <p:spPr>
+            <a:xfrm>
+              <a:off x="1533525" y="1428750"/>
+              <a:ext cx="1076325" cy="457200"/>
+            </a:xfrm>
+            <a:prstGeom prst="roundRect">
+              <a:avLst/>
+            </a:prstGeom>
+            <a:noFill/>
+            <a:ln>
+              <a:solidFill>
+                <a:schemeClr val="tx1"/>
+              </a:solidFill>
+            </a:ln>
+          </p:spPr>
+          <p:style>
+            <a:lnRef idx="2">
+              <a:schemeClr val="accent1">
+                <a:shade val="50000"/>
+              </a:schemeClr>
+            </a:lnRef>
+            <a:fillRef idx="1">
+              <a:schemeClr val="accent1"/>
+            </a:fillRef>
+            <a:effectRef idx="0">
+              <a:schemeClr val="accent1"/>
+            </a:effectRef>
+            <a:fontRef idx="minor">
+              <a:schemeClr val="lt1"/>
+            </a:fontRef>
+          </p:style>
+          <p:txBody>
+            <a:bodyPr rtlCol="0" anchor="ctr"/>
+            <a:lstStyle/>
+            <a:p>
+              <a:pPr algn="ctr"/>
+              <a:endParaRPr lang="en-GB"/>
+            </a:p>
+          </p:txBody>
+        </p:sp>
+        <p:sp>
+          <p:nvSpPr>
+            <p:cNvPr id="105" name="TextBox 104"/>
+            <p:cNvSpPr txBox="1"/>
+            <p:nvPr/>
+          </p:nvSpPr>
+          <p:spPr>
+            <a:xfrm>
+              <a:off x="1578003" y="1463970"/>
+              <a:ext cx="981075" cy="430887"/>
+            </a:xfrm>
+            <a:prstGeom prst="rect">
+              <a:avLst/>
+            </a:prstGeom>
+            <a:noFill/>
+          </p:spPr>
+          <p:txBody>
+            <a:bodyPr wrap="square" rtlCol="0">
+              <a:spAutoFit/>
+            </a:bodyPr>
+            <a:lstStyle/>
+            <a:p>
+              <a:pPr algn="ctr"/>
+              <a:r>
+                <a:rPr lang="en-GB" sz="1100" dirty="0" smtClean="0"/>
+                <a:t>Receive user input    </a:t>
+              </a:r>
+              <a:endParaRPr lang="en-GB" sz="1100" dirty="0"/>
+            </a:p>
+          </p:txBody>
+        </p:sp>
+      </p:grpSp>
+      <p:grpSp>
+        <p:nvGrpSpPr>
+          <p:cNvPr id="106" name="Group 105"/>
+          <p:cNvGrpSpPr/>
+          <p:nvPr/>
+        </p:nvGrpSpPr>
+        <p:grpSpPr>
+          <a:xfrm>
+            <a:off x="4647685" y="2252457"/>
+            <a:ext cx="970547" cy="438150"/>
+            <a:chOff x="457200" y="2209800"/>
+            <a:chExt cx="970547" cy="438150"/>
+          </a:xfrm>
+        </p:grpSpPr>
+        <p:sp>
+          <p:nvSpPr>
+            <p:cNvPr id="107" name="Rectangle 106"/>
+            <p:cNvSpPr/>
+            <p:nvPr/>
+          </p:nvSpPr>
+          <p:spPr>
+            <a:xfrm>
+              <a:off x="457200" y="2209800"/>
+              <a:ext cx="970547" cy="438150"/>
+            </a:xfrm>
+            <a:prstGeom prst="rect">
+              <a:avLst/>
+            </a:prstGeom>
+            <a:noFill/>
+            <a:ln>
+              <a:solidFill>
+                <a:schemeClr val="tx1"/>
+              </a:solidFill>
+            </a:ln>
+          </p:spPr>
+          <p:style>
+            <a:lnRef idx="2">
+              <a:schemeClr val="accent1">
+                <a:shade val="50000"/>
+              </a:schemeClr>
+            </a:lnRef>
+            <a:fillRef idx="1">
+              <a:schemeClr val="accent1"/>
+            </a:fillRef>
+            <a:effectRef idx="0">
+              <a:schemeClr val="accent1"/>
+            </a:effectRef>
+            <a:fontRef idx="minor">
+              <a:schemeClr val="lt1"/>
+            </a:fontRef>
+          </p:style>
+          <p:txBody>
+            <a:bodyPr rtlCol="0" anchor="ctr"/>
+            <a:lstStyle/>
+            <a:p>
+              <a:pPr algn="ctr"/>
+              <a:endParaRPr lang="en-GB"/>
+            </a:p>
+          </p:txBody>
+        </p:sp>
+        <p:sp>
+          <p:nvSpPr>
+            <p:cNvPr id="108" name="TextBox 107"/>
+            <p:cNvSpPr txBox="1"/>
+            <p:nvPr/>
+          </p:nvSpPr>
+          <p:spPr>
+            <a:xfrm>
+              <a:off x="457200" y="2210134"/>
+              <a:ext cx="970547" cy="430887"/>
+            </a:xfrm>
+            <a:prstGeom prst="rect">
+              <a:avLst/>
+            </a:prstGeom>
+            <a:noFill/>
+          </p:spPr>
+          <p:txBody>
+            <a:bodyPr wrap="square" rtlCol="0">
+              <a:spAutoFit/>
+            </a:bodyPr>
+            <a:lstStyle/>
+            <a:p>
+              <a:pPr algn="ctr"/>
+              <a:r>
+                <a:rPr lang="en-GB" sz="1100" dirty="0" smtClean="0"/>
+                <a:t>User location input </a:t>
+              </a:r>
+              <a:endParaRPr lang="en-GB" sz="1100" dirty="0"/>
+            </a:p>
+          </p:txBody>
+        </p:sp>
+      </p:grpSp>
+      <p:cxnSp>
+        <p:nvCxnSpPr>
+          <p:cNvPr id="110" name="Straight Arrow Connector 109"/>
+          <p:cNvCxnSpPr>
+            <a:stCxn id="107" idx="3"/>
+            <a:endCxn id="104" idx="1"/>
+          </p:cNvCxnSpPr>
+          <p:nvPr/>
+        </p:nvCxnSpPr>
+        <p:spPr>
+          <a:xfrm>
+            <a:off x="5618232" y="2471532"/>
+            <a:ext cx="267140" cy="9083"/>
+          </a:xfrm>
+          <a:prstGeom prst="straightConnector1">
+            <a:avLst/>
+          </a:prstGeom>
+          <a:ln>
+            <a:tailEnd type="triangle"/>
+          </a:ln>
+        </p:spPr>
+        <p:style>
+          <a:lnRef idx="1">
+            <a:schemeClr val="dk1"/>
+          </a:lnRef>
+          <a:fillRef idx="0">
+            <a:schemeClr val="dk1"/>
+          </a:fillRef>
+          <a:effectRef idx="0">
+            <a:schemeClr val="dk1"/>
+          </a:effectRef>
+          <a:fontRef idx="minor">
+            <a:schemeClr val="tx1"/>
+          </a:fontRef>
+        </p:style>
+      </p:cxnSp>
+      <p:cxnSp>
+        <p:nvCxnSpPr>
+          <p:cNvPr id="114" name="Straight Arrow Connector 113"/>
+          <p:cNvCxnSpPr>
+            <a:stCxn id="95" idx="2"/>
+            <a:endCxn id="104" idx="0"/>
+          </p:cNvCxnSpPr>
+          <p:nvPr/>
+        </p:nvCxnSpPr>
+        <p:spPr>
+          <a:xfrm>
+            <a:off x="6392347" y="2039053"/>
+            <a:ext cx="4806" cy="212962"/>
+          </a:xfrm>
+          <a:prstGeom prst="straightConnector1">
+            <a:avLst/>
+          </a:prstGeom>
+          <a:ln>
+            <a:tailEnd type="triangle"/>
+          </a:ln>
+        </p:spPr>
+        <p:style>
+          <a:lnRef idx="1">
+            <a:schemeClr val="dk1"/>
+          </a:lnRef>
+          <a:fillRef idx="0">
+            <a:schemeClr val="dk1"/>
+          </a:fillRef>
+          <a:effectRef idx="0">
+            <a:schemeClr val="dk1"/>
+          </a:effectRef>
+          <a:fontRef idx="minor">
+            <a:schemeClr val="tx1"/>
+          </a:fontRef>
+        </p:style>
+      </p:cxnSp>
+      <p:grpSp>
+        <p:nvGrpSpPr>
+          <p:cNvPr id="115" name="Group 114"/>
+          <p:cNvGrpSpPr/>
+          <p:nvPr/>
+        </p:nvGrpSpPr>
+        <p:grpSpPr>
+          <a:xfrm>
+            <a:off x="5775332" y="2901206"/>
+            <a:ext cx="1235590" cy="465005"/>
+            <a:chOff x="1533525" y="1428750"/>
+            <a:chExt cx="1076325" cy="465005"/>
+          </a:xfrm>
+        </p:grpSpPr>
+        <p:sp>
+          <p:nvSpPr>
+            <p:cNvPr id="116" name="Rounded Rectangle 115"/>
+            <p:cNvSpPr/>
+            <p:nvPr/>
+          </p:nvSpPr>
+          <p:spPr>
+            <a:xfrm>
+              <a:off x="1533525" y="1428750"/>
+              <a:ext cx="1076325" cy="457200"/>
+            </a:xfrm>
+            <a:prstGeom prst="roundRect">
+              <a:avLst/>
+            </a:prstGeom>
+            <a:noFill/>
+            <a:ln>
+              <a:solidFill>
+                <a:schemeClr val="tx1"/>
+              </a:solidFill>
+            </a:ln>
+          </p:spPr>
+          <p:style>
+            <a:lnRef idx="2">
+              <a:schemeClr val="accent1">
+                <a:shade val="50000"/>
+              </a:schemeClr>
+            </a:lnRef>
+            <a:fillRef idx="1">
+              <a:schemeClr val="accent1"/>
+            </a:fillRef>
+            <a:effectRef idx="0">
+              <a:schemeClr val="accent1"/>
+            </a:effectRef>
+            <a:fontRef idx="minor">
+              <a:schemeClr val="lt1"/>
+            </a:fontRef>
+          </p:style>
+          <p:txBody>
+            <a:bodyPr rtlCol="0" anchor="ctr"/>
+            <a:lstStyle/>
+            <a:p>
+              <a:pPr algn="ctr"/>
+              <a:endParaRPr lang="en-GB"/>
+            </a:p>
+          </p:txBody>
+        </p:sp>
+        <p:sp>
+          <p:nvSpPr>
+            <p:cNvPr id="117" name="TextBox 116"/>
+            <p:cNvSpPr txBox="1"/>
+            <p:nvPr/>
+          </p:nvSpPr>
+          <p:spPr>
+            <a:xfrm>
+              <a:off x="1574121" y="1462868"/>
+              <a:ext cx="981075" cy="430887"/>
+            </a:xfrm>
+            <a:prstGeom prst="rect">
+              <a:avLst/>
+            </a:prstGeom>
+            <a:noFill/>
+          </p:spPr>
+          <p:txBody>
+            <a:bodyPr wrap="square" rtlCol="0">
+              <a:spAutoFit/>
+            </a:bodyPr>
+            <a:lstStyle/>
+            <a:p>
+              <a:pPr algn="ctr"/>
+              <a:r>
+                <a:rPr lang="en-GB" sz="1100" dirty="0" smtClean="0"/>
+                <a:t>Displays robot on screen    </a:t>
+              </a:r>
+              <a:endParaRPr lang="en-GB" sz="1100" dirty="0"/>
+            </a:p>
+          </p:txBody>
+        </p:sp>
+      </p:grpSp>
+      <p:cxnSp>
+        <p:nvCxnSpPr>
+          <p:cNvPr id="122" name="Straight Arrow Connector 121"/>
+          <p:cNvCxnSpPr>
+            <a:stCxn id="104" idx="2"/>
+            <a:endCxn id="116" idx="0"/>
+          </p:cNvCxnSpPr>
+          <p:nvPr/>
+        </p:nvCxnSpPr>
+        <p:spPr>
+          <a:xfrm flipH="1">
+            <a:off x="6393127" y="2709215"/>
+            <a:ext cx="4026" cy="191991"/>
+          </a:xfrm>
+          <a:prstGeom prst="straightConnector1">
+            <a:avLst/>
+          </a:prstGeom>
+          <a:ln>
+            <a:tailEnd type="triangle"/>
+          </a:ln>
+        </p:spPr>
+        <p:style>
+          <a:lnRef idx="1">
+            <a:schemeClr val="dk1"/>
+          </a:lnRef>
+          <a:fillRef idx="0">
+            <a:schemeClr val="dk1"/>
+          </a:fillRef>
+          <a:effectRef idx="0">
+            <a:schemeClr val="dk1"/>
+          </a:effectRef>
+          <a:fontRef idx="minor">
+            <a:schemeClr val="tx1"/>
+          </a:fontRef>
+        </p:style>
+      </p:cxnSp>
+      <p:grpSp>
+        <p:nvGrpSpPr>
+          <p:cNvPr id="125" name="Group 124"/>
+          <p:cNvGrpSpPr/>
+          <p:nvPr/>
+        </p:nvGrpSpPr>
+        <p:grpSpPr>
+          <a:xfrm>
+            <a:off x="4591900" y="3554604"/>
+            <a:ext cx="1156513" cy="442942"/>
+            <a:chOff x="341466" y="2205008"/>
+            <a:chExt cx="1156513" cy="442942"/>
+          </a:xfrm>
+        </p:grpSpPr>
+        <p:sp>
+          <p:nvSpPr>
+            <p:cNvPr id="126" name="Rectangle 125"/>
+            <p:cNvSpPr/>
+            <p:nvPr/>
+          </p:nvSpPr>
+          <p:spPr>
+            <a:xfrm>
+              <a:off x="457200" y="2209800"/>
+              <a:ext cx="970547" cy="438150"/>
+            </a:xfrm>
+            <a:prstGeom prst="rect">
+              <a:avLst/>
+            </a:prstGeom>
+            <a:noFill/>
+            <a:ln>
+              <a:solidFill>
+                <a:schemeClr val="tx1"/>
+              </a:solidFill>
+            </a:ln>
+          </p:spPr>
+          <p:style>
+            <a:lnRef idx="2">
+              <a:schemeClr val="accent1">
+                <a:shade val="50000"/>
+              </a:schemeClr>
+            </a:lnRef>
+            <a:fillRef idx="1">
+              <a:schemeClr val="accent1"/>
+            </a:fillRef>
+            <a:effectRef idx="0">
+              <a:schemeClr val="accent1"/>
+            </a:effectRef>
+            <a:fontRef idx="minor">
+              <a:schemeClr val="lt1"/>
+            </a:fontRef>
+          </p:style>
+          <p:txBody>
+            <a:bodyPr rtlCol="0" anchor="ctr"/>
+            <a:lstStyle/>
+            <a:p>
+              <a:pPr algn="ctr"/>
+              <a:endParaRPr lang="en-GB"/>
+            </a:p>
+          </p:txBody>
+        </p:sp>
+        <p:sp>
+          <p:nvSpPr>
+            <p:cNvPr id="127" name="TextBox 126"/>
+            <p:cNvSpPr txBox="1"/>
+            <p:nvPr/>
+          </p:nvSpPr>
+          <p:spPr>
+            <a:xfrm>
+              <a:off x="341466" y="2205008"/>
+              <a:ext cx="1156513" cy="430887"/>
+            </a:xfrm>
+            <a:prstGeom prst="rect">
+              <a:avLst/>
+            </a:prstGeom>
+            <a:noFill/>
+          </p:spPr>
+          <p:txBody>
+            <a:bodyPr wrap="square" rtlCol="0">
+              <a:spAutoFit/>
+            </a:bodyPr>
+            <a:lstStyle/>
+            <a:p>
+              <a:pPr algn="ctr"/>
+              <a:r>
+                <a:rPr lang="en-GB" sz="1100" dirty="0" smtClean="0"/>
+                <a:t>User item number input </a:t>
+              </a:r>
+              <a:endParaRPr lang="en-GB" sz="1100" dirty="0"/>
+            </a:p>
+          </p:txBody>
+        </p:sp>
+      </p:grpSp>
+      <p:grpSp>
+        <p:nvGrpSpPr>
+          <p:cNvPr id="128" name="Group 127"/>
+          <p:cNvGrpSpPr/>
+          <p:nvPr/>
+        </p:nvGrpSpPr>
+        <p:grpSpPr>
+          <a:xfrm>
+            <a:off x="5885372" y="3545943"/>
+            <a:ext cx="1023561" cy="466107"/>
+            <a:chOff x="1533525" y="1428750"/>
+            <a:chExt cx="1076325" cy="466107"/>
+          </a:xfrm>
+        </p:grpSpPr>
+        <p:sp>
+          <p:nvSpPr>
+            <p:cNvPr id="129" name="Rounded Rectangle 128"/>
+            <p:cNvSpPr/>
+            <p:nvPr/>
+          </p:nvSpPr>
+          <p:spPr>
+            <a:xfrm>
+              <a:off x="1533525" y="1428750"/>
+              <a:ext cx="1076325" cy="457200"/>
+            </a:xfrm>
+            <a:prstGeom prst="roundRect">
+              <a:avLst/>
+            </a:prstGeom>
+            <a:noFill/>
+            <a:ln>
+              <a:solidFill>
+                <a:schemeClr val="tx1"/>
+              </a:solidFill>
+            </a:ln>
+          </p:spPr>
+          <p:style>
+            <a:lnRef idx="2">
+              <a:schemeClr val="accent1">
+                <a:shade val="50000"/>
+              </a:schemeClr>
+            </a:lnRef>
+            <a:fillRef idx="1">
+              <a:schemeClr val="accent1"/>
+            </a:fillRef>
+            <a:effectRef idx="0">
+              <a:schemeClr val="accent1"/>
+            </a:effectRef>
+            <a:fontRef idx="minor">
+              <a:schemeClr val="lt1"/>
+            </a:fontRef>
+          </p:style>
+          <p:txBody>
+            <a:bodyPr rtlCol="0" anchor="ctr"/>
+            <a:lstStyle/>
+            <a:p>
+              <a:pPr algn="ctr"/>
+              <a:endParaRPr lang="en-GB"/>
+            </a:p>
+          </p:txBody>
+        </p:sp>
+        <p:sp>
+          <p:nvSpPr>
+            <p:cNvPr id="130" name="TextBox 129"/>
+            <p:cNvSpPr txBox="1"/>
+            <p:nvPr/>
+          </p:nvSpPr>
+          <p:spPr>
+            <a:xfrm>
+              <a:off x="1578003" y="1463970"/>
+              <a:ext cx="981075" cy="430887"/>
+            </a:xfrm>
+            <a:prstGeom prst="rect">
+              <a:avLst/>
+            </a:prstGeom>
+            <a:noFill/>
+          </p:spPr>
+          <p:txBody>
+            <a:bodyPr wrap="square" rtlCol="0">
+              <a:spAutoFit/>
+            </a:bodyPr>
+            <a:lstStyle/>
+            <a:p>
+              <a:pPr algn="ctr"/>
+              <a:r>
+                <a:rPr lang="en-GB" sz="1100" dirty="0" smtClean="0"/>
+                <a:t>Receive user input    </a:t>
+              </a:r>
+              <a:endParaRPr lang="en-GB" sz="1100" dirty="0"/>
+            </a:p>
+          </p:txBody>
+        </p:sp>
+      </p:grpSp>
+      <p:cxnSp>
+        <p:nvCxnSpPr>
+          <p:cNvPr id="132" name="Straight Arrow Connector 131"/>
+          <p:cNvCxnSpPr>
+            <a:stCxn id="116" idx="2"/>
+            <a:endCxn id="129" idx="0"/>
+          </p:cNvCxnSpPr>
+          <p:nvPr/>
+        </p:nvCxnSpPr>
+        <p:spPr>
+          <a:xfrm>
+            <a:off x="6393127" y="3358406"/>
+            <a:ext cx="4026" cy="187537"/>
+          </a:xfrm>
+          <a:prstGeom prst="straightConnector1">
+            <a:avLst/>
+          </a:prstGeom>
+          <a:ln>
+            <a:tailEnd type="triangle"/>
+          </a:ln>
+        </p:spPr>
+        <p:style>
+          <a:lnRef idx="1">
+            <a:schemeClr val="dk1"/>
+          </a:lnRef>
+          <a:fillRef idx="0">
+            <a:schemeClr val="dk1"/>
+          </a:fillRef>
+          <a:effectRef idx="0">
+            <a:schemeClr val="dk1"/>
+          </a:effectRef>
+          <a:fontRef idx="minor">
+            <a:schemeClr val="tx1"/>
+          </a:fontRef>
+        </p:style>
+      </p:cxnSp>
+      <p:cxnSp>
+        <p:nvCxnSpPr>
+          <p:cNvPr id="137" name="Straight Arrow Connector 136"/>
+          <p:cNvCxnSpPr>
+            <a:stCxn id="126" idx="3"/>
+            <a:endCxn id="129" idx="1"/>
+          </p:cNvCxnSpPr>
+          <p:nvPr/>
+        </p:nvCxnSpPr>
+        <p:spPr>
+          <a:xfrm flipV="1">
+            <a:off x="5678181" y="3774543"/>
+            <a:ext cx="207191" cy="3928"/>
+          </a:xfrm>
+          <a:prstGeom prst="straightConnector1">
+            <a:avLst/>
+          </a:prstGeom>
+          <a:ln>
+            <a:tailEnd type="triangle"/>
+          </a:ln>
+        </p:spPr>
+        <p:style>
+          <a:lnRef idx="1">
+            <a:schemeClr val="dk1"/>
+          </a:lnRef>
+          <a:fillRef idx="0">
+            <a:schemeClr val="dk1"/>
+          </a:fillRef>
+          <a:effectRef idx="0">
+            <a:schemeClr val="dk1"/>
+          </a:effectRef>
+          <a:fontRef idx="minor">
+            <a:schemeClr val="tx1"/>
+          </a:fontRef>
+        </p:style>
+      </p:cxnSp>
+      <p:grpSp>
+        <p:nvGrpSpPr>
+          <p:cNvPr id="138" name="Group 137"/>
+          <p:cNvGrpSpPr/>
+          <p:nvPr/>
+        </p:nvGrpSpPr>
+        <p:grpSpPr>
+          <a:xfrm>
+            <a:off x="5885372" y="4218290"/>
+            <a:ext cx="1023561" cy="466107"/>
+            <a:chOff x="1533525" y="1428750"/>
+            <a:chExt cx="1076325" cy="466107"/>
+          </a:xfrm>
+        </p:grpSpPr>
+        <p:sp>
+          <p:nvSpPr>
+            <p:cNvPr id="139" name="Rounded Rectangle 138"/>
+            <p:cNvSpPr/>
+            <p:nvPr/>
+          </p:nvSpPr>
+          <p:spPr>
+            <a:xfrm>
+              <a:off x="1533525" y="1428750"/>
+              <a:ext cx="1076325" cy="457200"/>
+            </a:xfrm>
+            <a:prstGeom prst="roundRect">
+              <a:avLst/>
+            </a:prstGeom>
+            <a:noFill/>
+            <a:ln>
+              <a:solidFill>
+                <a:schemeClr val="tx1"/>
+              </a:solidFill>
+            </a:ln>
+          </p:spPr>
+          <p:style>
+            <a:lnRef idx="2">
+              <a:schemeClr val="accent1">
+                <a:shade val="50000"/>
+              </a:schemeClr>
+            </a:lnRef>
+            <a:fillRef idx="1">
+              <a:schemeClr val="accent1"/>
+            </a:fillRef>
+            <a:effectRef idx="0">
+              <a:schemeClr val="accent1"/>
+            </a:effectRef>
+            <a:fontRef idx="minor">
+              <a:schemeClr val="lt1"/>
+            </a:fontRef>
+          </p:style>
+          <p:txBody>
+            <a:bodyPr rtlCol="0" anchor="ctr"/>
+            <a:lstStyle/>
+            <a:p>
+              <a:pPr algn="ctr"/>
+              <a:endParaRPr lang="en-GB"/>
+            </a:p>
+          </p:txBody>
+        </p:sp>
+        <p:sp>
+          <p:nvSpPr>
+            <p:cNvPr id="140" name="TextBox 139"/>
+            <p:cNvSpPr txBox="1"/>
+            <p:nvPr/>
+          </p:nvSpPr>
+          <p:spPr>
+            <a:xfrm>
+              <a:off x="1578003" y="1463970"/>
+              <a:ext cx="981075" cy="430887"/>
+            </a:xfrm>
+            <a:prstGeom prst="rect">
+              <a:avLst/>
+            </a:prstGeom>
+            <a:noFill/>
+          </p:spPr>
+          <p:txBody>
+            <a:bodyPr wrap="square" rtlCol="0">
+              <a:spAutoFit/>
+            </a:bodyPr>
+            <a:lstStyle/>
+            <a:p>
+              <a:pPr algn="ctr"/>
+              <a:r>
+                <a:rPr lang="en-GB" sz="1100" dirty="0" smtClean="0"/>
+                <a:t>Receive user input    </a:t>
+              </a:r>
+              <a:endParaRPr lang="en-GB" sz="1100" dirty="0"/>
+            </a:p>
+          </p:txBody>
+        </p:sp>
+      </p:grpSp>
+      <p:cxnSp>
+        <p:nvCxnSpPr>
+          <p:cNvPr id="144" name="Straight Arrow Connector 143"/>
+          <p:cNvCxnSpPr>
+            <a:stCxn id="129" idx="2"/>
+            <a:endCxn id="139" idx="0"/>
+          </p:cNvCxnSpPr>
+          <p:nvPr/>
+        </p:nvCxnSpPr>
+        <p:spPr>
+          <a:xfrm>
+            <a:off x="6397153" y="4003143"/>
+            <a:ext cx="0" cy="215147"/>
+          </a:xfrm>
+          <a:prstGeom prst="straightConnector1">
+            <a:avLst/>
+          </a:prstGeom>
+          <a:ln>
+            <a:tailEnd type="triangle"/>
+          </a:ln>
+        </p:spPr>
+        <p:style>
+          <a:lnRef idx="1">
+            <a:schemeClr val="dk1"/>
+          </a:lnRef>
+          <a:fillRef idx="0">
+            <a:schemeClr val="dk1"/>
+          </a:fillRef>
+          <a:effectRef idx="0">
+            <a:schemeClr val="dk1"/>
+          </a:effectRef>
+          <a:fontRef idx="minor">
+            <a:schemeClr val="tx1"/>
+          </a:fontRef>
+        </p:style>
+      </p:cxnSp>
+      <p:grpSp>
+        <p:nvGrpSpPr>
+          <p:cNvPr id="145" name="Group 144"/>
+          <p:cNvGrpSpPr/>
+          <p:nvPr/>
+        </p:nvGrpSpPr>
+        <p:grpSpPr>
+          <a:xfrm>
+            <a:off x="4654877" y="4226146"/>
+            <a:ext cx="1023304" cy="452695"/>
+            <a:chOff x="438592" y="2209800"/>
+            <a:chExt cx="1023304" cy="452695"/>
+          </a:xfrm>
+        </p:grpSpPr>
+        <p:sp>
+          <p:nvSpPr>
+            <p:cNvPr id="146" name="Rectangle 145"/>
+            <p:cNvSpPr/>
+            <p:nvPr/>
+          </p:nvSpPr>
+          <p:spPr>
+            <a:xfrm>
+              <a:off x="457200" y="2209800"/>
+              <a:ext cx="970547" cy="438150"/>
+            </a:xfrm>
+            <a:prstGeom prst="rect">
+              <a:avLst/>
+            </a:prstGeom>
+            <a:noFill/>
+            <a:ln>
+              <a:solidFill>
+                <a:schemeClr val="tx1"/>
+              </a:solidFill>
+            </a:ln>
+          </p:spPr>
+          <p:style>
+            <a:lnRef idx="2">
+              <a:schemeClr val="accent1">
+                <a:shade val="50000"/>
+              </a:schemeClr>
+            </a:lnRef>
+            <a:fillRef idx="1">
+              <a:schemeClr val="accent1"/>
+            </a:fillRef>
+            <a:effectRef idx="0">
+              <a:schemeClr val="accent1"/>
+            </a:effectRef>
+            <a:fontRef idx="minor">
+              <a:schemeClr val="lt1"/>
+            </a:fontRef>
+          </p:style>
+          <p:txBody>
+            <a:bodyPr rtlCol="0" anchor="ctr"/>
+            <a:lstStyle/>
+            <a:p>
+              <a:pPr algn="ctr"/>
+              <a:endParaRPr lang="en-GB"/>
+            </a:p>
+          </p:txBody>
+        </p:sp>
+        <p:sp>
+          <p:nvSpPr>
+            <p:cNvPr id="147" name="TextBox 146"/>
+            <p:cNvSpPr txBox="1"/>
+            <p:nvPr/>
+          </p:nvSpPr>
+          <p:spPr>
+            <a:xfrm>
+              <a:off x="438592" y="2231608"/>
+              <a:ext cx="1023304" cy="430887"/>
+            </a:xfrm>
+            <a:prstGeom prst="rect">
+              <a:avLst/>
+            </a:prstGeom>
+            <a:noFill/>
+          </p:spPr>
+          <p:txBody>
+            <a:bodyPr wrap="square" rtlCol="0">
+              <a:spAutoFit/>
+            </a:bodyPr>
+            <a:lstStyle/>
+            <a:p>
+              <a:pPr algn="ctr"/>
+              <a:r>
+                <a:rPr lang="en-GB" sz="1100" dirty="0" smtClean="0"/>
+                <a:t>User time input </a:t>
+              </a:r>
+              <a:endParaRPr lang="en-GB" sz="1100" dirty="0"/>
+            </a:p>
+          </p:txBody>
+        </p:sp>
+      </p:grpSp>
+      <p:cxnSp>
+        <p:nvCxnSpPr>
+          <p:cNvPr id="149" name="Straight Arrow Connector 148"/>
+          <p:cNvCxnSpPr>
+            <a:stCxn id="146" idx="3"/>
+            <a:endCxn id="139" idx="1"/>
+          </p:cNvCxnSpPr>
+          <p:nvPr/>
+        </p:nvCxnSpPr>
+        <p:spPr>
+          <a:xfrm>
+            <a:off x="5644032" y="4445221"/>
+            <a:ext cx="241340" cy="1669"/>
+          </a:xfrm>
+          <a:prstGeom prst="straightConnector1">
+            <a:avLst/>
+          </a:prstGeom>
+          <a:ln>
+            <a:tailEnd type="triangle"/>
+          </a:ln>
+        </p:spPr>
+        <p:style>
+          <a:lnRef idx="1">
+            <a:schemeClr val="dk1"/>
+          </a:lnRef>
+          <a:fillRef idx="0">
+            <a:schemeClr val="dk1"/>
+          </a:fillRef>
+          <a:effectRef idx="0">
+            <a:schemeClr val="dk1"/>
+          </a:effectRef>
+          <a:fontRef idx="minor">
+            <a:schemeClr val="tx1"/>
+          </a:fontRef>
+        </p:style>
+      </p:cxnSp>
+      <p:sp>
+        <p:nvSpPr>
+          <p:cNvPr id="150" name="Rounded Rectangle 149"/>
+          <p:cNvSpPr/>
+          <p:nvPr/>
+        </p:nvSpPr>
+        <p:spPr>
+          <a:xfrm>
+            <a:off x="7289885" y="4155416"/>
+            <a:ext cx="45719" cy="1750084"/>
+          </a:xfrm>
+          <a:prstGeom prst="roundRect">
+            <a:avLst/>
+          </a:prstGeom>
+        </p:spPr>
+        <p:style>
+          <a:lnRef idx="2">
+            <a:schemeClr val="dk1">
+              <a:shade val="50000"/>
+            </a:schemeClr>
+          </a:lnRef>
+          <a:fillRef idx="1">
+            <a:schemeClr val="dk1"/>
+          </a:fillRef>
+          <a:effectRef idx="0">
+            <a:schemeClr val="dk1"/>
+          </a:effectRef>
+          <a:fontRef idx="minor">
+            <a:schemeClr val="lt1"/>
+          </a:fontRef>
+        </p:style>
+        <p:txBody>
+          <a:bodyPr rtlCol="0" anchor="ctr"/>
+          <a:lstStyle/>
+          <a:p>
+            <a:pPr algn="ctr"/>
+            <a:endParaRPr lang="en-GB"/>
+          </a:p>
+        </p:txBody>
+      </p:sp>
+      <p:sp>
+        <p:nvSpPr>
+          <p:cNvPr id="154" name="Rounded Rectangle 153"/>
+          <p:cNvSpPr/>
+          <p:nvPr/>
+        </p:nvSpPr>
+        <p:spPr>
+          <a:xfrm flipH="1">
+            <a:off x="11458974" y="4155416"/>
+            <a:ext cx="45719" cy="1750084"/>
+          </a:xfrm>
+          <a:prstGeom prst="roundRect">
+            <a:avLst/>
+          </a:prstGeom>
+        </p:spPr>
+        <p:style>
+          <a:lnRef idx="2">
+            <a:schemeClr val="dk1">
+              <a:shade val="50000"/>
+            </a:schemeClr>
+          </a:lnRef>
+          <a:fillRef idx="1">
+            <a:schemeClr val="dk1"/>
+          </a:fillRef>
+          <a:effectRef idx="0">
+            <a:schemeClr val="dk1"/>
+          </a:effectRef>
+          <a:fontRef idx="minor">
+            <a:schemeClr val="lt1"/>
+          </a:fontRef>
+        </p:style>
+        <p:txBody>
+          <a:bodyPr rtlCol="0" anchor="ctr"/>
+          <a:lstStyle/>
+          <a:p>
+            <a:pPr algn="ctr"/>
+            <a:endParaRPr lang="en-GB"/>
+          </a:p>
+        </p:txBody>
+      </p:sp>
+      <p:cxnSp>
+        <p:nvCxnSpPr>
+          <p:cNvPr id="156" name="Straight Arrow Connector 155"/>
+          <p:cNvCxnSpPr>
+            <a:endCxn id="158" idx="1"/>
+          </p:cNvCxnSpPr>
+          <p:nvPr/>
+        </p:nvCxnSpPr>
+        <p:spPr>
+          <a:xfrm>
+            <a:off x="7326575" y="4768277"/>
+            <a:ext cx="416162" cy="0"/>
+          </a:xfrm>
+          <a:prstGeom prst="straightConnector1">
+            <a:avLst/>
+          </a:prstGeom>
+          <a:ln>
+            <a:tailEnd type="triangle"/>
+          </a:ln>
+        </p:spPr>
+        <p:style>
+          <a:lnRef idx="1">
+            <a:schemeClr val="dk1"/>
+          </a:lnRef>
+          <a:fillRef idx="0">
+            <a:schemeClr val="dk1"/>
+          </a:fillRef>
+          <a:effectRef idx="0">
+            <a:schemeClr val="dk1"/>
+          </a:effectRef>
+          <a:fontRef idx="minor">
+            <a:schemeClr val="tx1"/>
+          </a:fontRef>
+        </p:style>
+      </p:cxnSp>
+      <p:grpSp>
+        <p:nvGrpSpPr>
+          <p:cNvPr id="157" name="Group 156"/>
+          <p:cNvGrpSpPr/>
+          <p:nvPr/>
+        </p:nvGrpSpPr>
+        <p:grpSpPr>
+          <a:xfrm>
+            <a:off x="7742737" y="4609451"/>
+            <a:ext cx="1072832" cy="317652"/>
+            <a:chOff x="1533525" y="1428750"/>
+            <a:chExt cx="1076325" cy="457200"/>
+          </a:xfrm>
+        </p:grpSpPr>
+        <p:sp>
+          <p:nvSpPr>
+            <p:cNvPr id="158" name="Rounded Rectangle 157"/>
+            <p:cNvSpPr/>
+            <p:nvPr/>
+          </p:nvSpPr>
+          <p:spPr>
+            <a:xfrm>
+              <a:off x="1533525" y="1428750"/>
+              <a:ext cx="1076325" cy="457200"/>
+            </a:xfrm>
+            <a:prstGeom prst="roundRect">
+              <a:avLst/>
+            </a:prstGeom>
+            <a:noFill/>
+            <a:ln>
+              <a:solidFill>
+                <a:schemeClr val="tx1"/>
+              </a:solidFill>
+            </a:ln>
+          </p:spPr>
+          <p:style>
+            <a:lnRef idx="2">
+              <a:schemeClr val="accent1">
+                <a:shade val="50000"/>
+              </a:schemeClr>
+            </a:lnRef>
+            <a:fillRef idx="1">
+              <a:schemeClr val="accent1"/>
+            </a:fillRef>
+            <a:effectRef idx="0">
+              <a:schemeClr val="accent1"/>
+            </a:effectRef>
+            <a:fontRef idx="minor">
+              <a:schemeClr val="lt1"/>
+            </a:fontRef>
+          </p:style>
+          <p:txBody>
+            <a:bodyPr rtlCol="0" anchor="ctr"/>
+            <a:lstStyle/>
+            <a:p>
+              <a:pPr algn="ctr"/>
+              <a:endParaRPr lang="en-GB"/>
+            </a:p>
+          </p:txBody>
+        </p:sp>
+        <p:sp>
+          <p:nvSpPr>
+            <p:cNvPr id="159" name="TextBox 158"/>
+            <p:cNvSpPr txBox="1"/>
+            <p:nvPr/>
+          </p:nvSpPr>
+          <p:spPr>
+            <a:xfrm>
+              <a:off x="1590040" y="1457682"/>
+              <a:ext cx="981075" cy="261611"/>
+            </a:xfrm>
+            <a:prstGeom prst="rect">
+              <a:avLst/>
+            </a:prstGeom>
+            <a:noFill/>
+          </p:spPr>
+          <p:txBody>
+            <a:bodyPr wrap="square" rtlCol="0">
+              <a:spAutoFit/>
+            </a:bodyPr>
+            <a:lstStyle/>
+            <a:p>
+              <a:pPr algn="ctr"/>
+              <a:r>
+                <a:rPr lang="en-GB" sz="1100" dirty="0" smtClean="0"/>
+                <a:t>Timer starts </a:t>
+              </a:r>
+              <a:endParaRPr lang="en-GB" sz="1100" dirty="0"/>
+            </a:p>
+          </p:txBody>
+        </p:sp>
+      </p:grpSp>
+      <p:cxnSp>
+        <p:nvCxnSpPr>
+          <p:cNvPr id="162" name="Straight Arrow Connector 161"/>
+          <p:cNvCxnSpPr>
+            <a:stCxn id="158" idx="3"/>
+          </p:cNvCxnSpPr>
+          <p:nvPr/>
+        </p:nvCxnSpPr>
+        <p:spPr>
+          <a:xfrm>
+            <a:off x="8815569" y="4768277"/>
+            <a:ext cx="2646762" cy="0"/>
+          </a:xfrm>
+          <a:prstGeom prst="straightConnector1">
+            <a:avLst/>
+          </a:prstGeom>
+          <a:ln>
+            <a:tailEnd type="triangle"/>
+          </a:ln>
+        </p:spPr>
+        <p:style>
+          <a:lnRef idx="1">
+            <a:schemeClr val="dk1"/>
+          </a:lnRef>
+          <a:fillRef idx="0">
+            <a:schemeClr val="dk1"/>
+          </a:fillRef>
+          <a:effectRef idx="0">
+            <a:schemeClr val="dk1"/>
+          </a:effectRef>
+          <a:fontRef idx="minor">
+            <a:schemeClr val="tx1"/>
+          </a:fontRef>
+        </p:style>
+      </p:cxnSp>
+      <p:cxnSp>
+        <p:nvCxnSpPr>
+          <p:cNvPr id="163" name="Straight Arrow Connector 162"/>
+          <p:cNvCxnSpPr>
+            <a:endCxn id="165" idx="1"/>
+          </p:cNvCxnSpPr>
+          <p:nvPr/>
+        </p:nvCxnSpPr>
+        <p:spPr>
+          <a:xfrm>
+            <a:off x="7345259" y="5382903"/>
+            <a:ext cx="327781" cy="1"/>
+          </a:xfrm>
+          <a:prstGeom prst="straightConnector1">
+            <a:avLst/>
+          </a:prstGeom>
+          <a:ln>
+            <a:tailEnd type="triangle"/>
+          </a:ln>
+        </p:spPr>
+        <p:style>
+          <a:lnRef idx="1">
+            <a:schemeClr val="dk1"/>
+          </a:lnRef>
+          <a:fillRef idx="0">
+            <a:schemeClr val="dk1"/>
+          </a:fillRef>
+          <a:effectRef idx="0">
+            <a:schemeClr val="dk1"/>
+          </a:effectRef>
+          <a:fontRef idx="minor">
+            <a:schemeClr val="tx1"/>
+          </a:fontRef>
+        </p:style>
+      </p:cxnSp>
+      <p:grpSp>
+        <p:nvGrpSpPr>
+          <p:cNvPr id="164" name="Group 163"/>
+          <p:cNvGrpSpPr/>
+          <p:nvPr/>
+        </p:nvGrpSpPr>
+        <p:grpSpPr>
+          <a:xfrm>
+            <a:off x="7585451" y="5121568"/>
+            <a:ext cx="1399493" cy="522669"/>
+            <a:chOff x="1421903" y="1428750"/>
+            <a:chExt cx="1783482" cy="1071992"/>
+          </a:xfrm>
+        </p:grpSpPr>
+        <p:sp>
+          <p:nvSpPr>
+            <p:cNvPr id="165" name="Rounded Rectangle 164"/>
+            <p:cNvSpPr/>
+            <p:nvPr/>
+          </p:nvSpPr>
+          <p:spPr>
+            <a:xfrm>
+              <a:off x="1533525" y="1428750"/>
+              <a:ext cx="1461672" cy="1071992"/>
+            </a:xfrm>
+            <a:prstGeom prst="roundRect">
+              <a:avLst/>
+            </a:prstGeom>
+            <a:noFill/>
+            <a:ln>
+              <a:solidFill>
+                <a:schemeClr val="tx1"/>
+              </a:solidFill>
+            </a:ln>
+          </p:spPr>
+          <p:style>
+            <a:lnRef idx="2">
+              <a:schemeClr val="accent1">
+                <a:shade val="50000"/>
+              </a:schemeClr>
+            </a:lnRef>
+            <a:fillRef idx="1">
+              <a:schemeClr val="accent1"/>
+            </a:fillRef>
+            <a:effectRef idx="0">
+              <a:schemeClr val="accent1"/>
+            </a:effectRef>
+            <a:fontRef idx="minor">
+              <a:schemeClr val="lt1"/>
+            </a:fontRef>
+          </p:style>
+          <p:txBody>
+            <a:bodyPr rtlCol="0" anchor="ctr"/>
+            <a:lstStyle/>
+            <a:p>
+              <a:pPr algn="ctr"/>
+              <a:endParaRPr lang="en-GB"/>
+            </a:p>
+          </p:txBody>
+        </p:sp>
+        <p:sp>
+          <p:nvSpPr>
+            <p:cNvPr id="166" name="TextBox 165"/>
+            <p:cNvSpPr txBox="1"/>
+            <p:nvPr/>
+          </p:nvSpPr>
+          <p:spPr>
+            <a:xfrm>
+              <a:off x="1421903" y="1430967"/>
+              <a:ext cx="1783482" cy="797376"/>
+            </a:xfrm>
+            <a:prstGeom prst="rect">
+              <a:avLst/>
+            </a:prstGeom>
+            <a:noFill/>
+          </p:spPr>
+          <p:txBody>
+            <a:bodyPr wrap="square" rtlCol="0">
+              <a:spAutoFit/>
+            </a:bodyPr>
+            <a:lstStyle/>
+            <a:p>
+              <a:pPr algn="ctr"/>
+              <a:r>
+                <a:rPr lang="en-GB" sz="1000" dirty="0" smtClean="0"/>
+                <a:t>Robot starts using search algorithm chosen</a:t>
+              </a:r>
+              <a:endParaRPr lang="en-GB" sz="1000" dirty="0"/>
+            </a:p>
+          </p:txBody>
+        </p:sp>
+      </p:grpSp>
+      <p:cxnSp>
+        <p:nvCxnSpPr>
+          <p:cNvPr id="178" name="Straight Arrow Connector 177"/>
+          <p:cNvCxnSpPr>
+            <a:stCxn id="140" idx="2"/>
+            <a:endCxn id="150" idx="1"/>
+          </p:cNvCxnSpPr>
+          <p:nvPr/>
+        </p:nvCxnSpPr>
+        <p:spPr>
+          <a:xfrm>
+            <a:off x="6394160" y="4684397"/>
+            <a:ext cx="895725" cy="346061"/>
+          </a:xfrm>
+          <a:prstGeom prst="straightConnector1">
+            <a:avLst/>
+          </a:prstGeom>
+          <a:ln>
+            <a:tailEnd type="triangle"/>
+          </a:ln>
+        </p:spPr>
+        <p:style>
+          <a:lnRef idx="1">
+            <a:schemeClr val="dk1"/>
+          </a:lnRef>
+          <a:fillRef idx="0">
+            <a:schemeClr val="dk1"/>
+          </a:fillRef>
+          <a:effectRef idx="0">
+            <a:schemeClr val="dk1"/>
+          </a:effectRef>
+          <a:fontRef idx="minor">
+            <a:schemeClr val="tx1"/>
+          </a:fontRef>
+        </p:style>
+      </p:cxnSp>
+      <p:grpSp>
+        <p:nvGrpSpPr>
+          <p:cNvPr id="203" name="Group 202"/>
+          <p:cNvGrpSpPr/>
+          <p:nvPr/>
+        </p:nvGrpSpPr>
+        <p:grpSpPr>
+          <a:xfrm>
+            <a:off x="8914381" y="5192208"/>
+            <a:ext cx="1399493" cy="391471"/>
+            <a:chOff x="1405725" y="1419834"/>
+            <a:chExt cx="1783482" cy="1080908"/>
+          </a:xfrm>
+        </p:grpSpPr>
+        <p:sp>
+          <p:nvSpPr>
+            <p:cNvPr id="204" name="Rounded Rectangle 203"/>
+            <p:cNvSpPr/>
+            <p:nvPr/>
+          </p:nvSpPr>
+          <p:spPr>
+            <a:xfrm>
+              <a:off x="1533525" y="1428750"/>
+              <a:ext cx="1461672" cy="1071992"/>
+            </a:xfrm>
+            <a:prstGeom prst="roundRect">
+              <a:avLst/>
+            </a:prstGeom>
+            <a:noFill/>
+            <a:ln>
+              <a:solidFill>
+                <a:schemeClr val="tx1"/>
+              </a:solidFill>
+            </a:ln>
+          </p:spPr>
+          <p:style>
+            <a:lnRef idx="2">
+              <a:schemeClr val="accent1">
+                <a:shade val="50000"/>
+              </a:schemeClr>
+            </a:lnRef>
+            <a:fillRef idx="1">
+              <a:schemeClr val="accent1"/>
+            </a:fillRef>
+            <a:effectRef idx="0">
+              <a:schemeClr val="accent1"/>
+            </a:effectRef>
+            <a:fontRef idx="minor">
+              <a:schemeClr val="lt1"/>
+            </a:fontRef>
+          </p:style>
+          <p:txBody>
+            <a:bodyPr rtlCol="0" anchor="ctr"/>
+            <a:lstStyle/>
+            <a:p>
+              <a:pPr algn="ctr"/>
+              <a:endParaRPr lang="en-GB"/>
+            </a:p>
+          </p:txBody>
+        </p:sp>
+        <p:sp>
+          <p:nvSpPr>
+            <p:cNvPr id="205" name="TextBox 204"/>
+            <p:cNvSpPr txBox="1"/>
+            <p:nvPr/>
+          </p:nvSpPr>
+          <p:spPr>
+            <a:xfrm>
+              <a:off x="1405725" y="1419834"/>
+              <a:ext cx="1783482" cy="820623"/>
+            </a:xfrm>
+            <a:prstGeom prst="rect">
+              <a:avLst/>
+            </a:prstGeom>
+            <a:noFill/>
+          </p:spPr>
+          <p:txBody>
+            <a:bodyPr wrap="square" rtlCol="0">
+              <a:spAutoFit/>
+            </a:bodyPr>
+            <a:lstStyle/>
+            <a:p>
+              <a:pPr algn="ctr"/>
+              <a:r>
+                <a:rPr lang="en-GB" sz="1000" dirty="0" smtClean="0"/>
+                <a:t>Finds cheapest items after search</a:t>
+              </a:r>
+              <a:endParaRPr lang="en-GB" sz="1000" dirty="0"/>
+            </a:p>
+          </p:txBody>
+        </p:sp>
+      </p:grpSp>
+      <p:cxnSp>
+        <p:nvCxnSpPr>
+          <p:cNvPr id="209" name="Straight Arrow Connector 208"/>
+          <p:cNvCxnSpPr>
+            <a:stCxn id="165" idx="3"/>
+            <a:endCxn id="204" idx="1"/>
+          </p:cNvCxnSpPr>
+          <p:nvPr/>
+        </p:nvCxnSpPr>
+        <p:spPr>
+          <a:xfrm>
+            <a:off x="8820010" y="5382903"/>
+            <a:ext cx="194655" cy="6654"/>
+          </a:xfrm>
+          <a:prstGeom prst="straightConnector1">
+            <a:avLst/>
+          </a:prstGeom>
+          <a:ln>
+            <a:tailEnd type="triangle"/>
+          </a:ln>
+        </p:spPr>
+        <p:style>
+          <a:lnRef idx="1">
+            <a:schemeClr val="dk1"/>
+          </a:lnRef>
+          <a:fillRef idx="0">
+            <a:schemeClr val="dk1"/>
+          </a:fillRef>
+          <a:effectRef idx="0">
+            <a:schemeClr val="dk1"/>
+          </a:effectRef>
+          <a:fontRef idx="minor">
+            <a:schemeClr val="tx1"/>
+          </a:fontRef>
+        </p:style>
+      </p:cxnSp>
+      <p:grpSp>
+        <p:nvGrpSpPr>
+          <p:cNvPr id="210" name="Group 209"/>
+          <p:cNvGrpSpPr/>
+          <p:nvPr/>
+        </p:nvGrpSpPr>
+        <p:grpSpPr>
+          <a:xfrm>
+            <a:off x="10282285" y="5263769"/>
+            <a:ext cx="1155092" cy="242959"/>
+            <a:chOff x="1391608" y="1428750"/>
+            <a:chExt cx="1783482" cy="1071992"/>
+          </a:xfrm>
+        </p:grpSpPr>
+        <p:sp>
+          <p:nvSpPr>
+            <p:cNvPr id="211" name="Rounded Rectangle 210"/>
+            <p:cNvSpPr/>
+            <p:nvPr/>
+          </p:nvSpPr>
+          <p:spPr>
+            <a:xfrm>
+              <a:off x="1533525" y="1428750"/>
+              <a:ext cx="1461672" cy="1071992"/>
+            </a:xfrm>
+            <a:prstGeom prst="roundRect">
+              <a:avLst/>
+            </a:prstGeom>
+            <a:noFill/>
+            <a:ln>
+              <a:solidFill>
+                <a:schemeClr val="tx1"/>
+              </a:solidFill>
+            </a:ln>
+          </p:spPr>
+          <p:style>
+            <a:lnRef idx="2">
+              <a:schemeClr val="accent1">
+                <a:shade val="50000"/>
+              </a:schemeClr>
+            </a:lnRef>
+            <a:fillRef idx="1">
+              <a:schemeClr val="accent1"/>
+            </a:fillRef>
+            <a:effectRef idx="0">
+              <a:schemeClr val="accent1"/>
+            </a:effectRef>
+            <a:fontRef idx="minor">
+              <a:schemeClr val="lt1"/>
+            </a:fontRef>
+          </p:style>
+          <p:txBody>
+            <a:bodyPr rtlCol="0" anchor="ctr"/>
+            <a:lstStyle/>
+            <a:p>
+              <a:pPr algn="ctr"/>
+              <a:endParaRPr lang="en-GB"/>
+            </a:p>
+          </p:txBody>
+        </p:sp>
+        <p:sp>
+          <p:nvSpPr>
+            <p:cNvPr id="212" name="TextBox 211"/>
+            <p:cNvSpPr txBox="1"/>
+            <p:nvPr/>
+          </p:nvSpPr>
+          <p:spPr>
+            <a:xfrm>
+              <a:off x="1391608" y="1428750"/>
+              <a:ext cx="1783482" cy="679850"/>
+            </a:xfrm>
+            <a:prstGeom prst="rect">
+              <a:avLst/>
+            </a:prstGeom>
+            <a:noFill/>
+          </p:spPr>
+          <p:txBody>
+            <a:bodyPr wrap="square" rtlCol="0">
+              <a:spAutoFit/>
+            </a:bodyPr>
+            <a:lstStyle/>
+            <a:p>
+              <a:pPr algn="ctr"/>
+              <a:r>
+                <a:rPr lang="en-GB" sz="1000" dirty="0" smtClean="0"/>
+                <a:t>Add item to list</a:t>
+              </a:r>
+              <a:endParaRPr lang="en-GB" sz="1000" dirty="0"/>
+            </a:p>
+          </p:txBody>
+        </p:sp>
+      </p:grpSp>
+      <p:cxnSp>
+        <p:nvCxnSpPr>
+          <p:cNvPr id="218" name="Straight Arrow Connector 217"/>
+          <p:cNvCxnSpPr/>
+          <p:nvPr/>
+        </p:nvCxnSpPr>
+        <p:spPr>
+          <a:xfrm flipV="1">
+            <a:off x="11320867" y="5360982"/>
+            <a:ext cx="138109" cy="21920"/>
+          </a:xfrm>
+          <a:prstGeom prst="straightConnector1">
+            <a:avLst/>
+          </a:prstGeom>
+          <a:ln>
+            <a:tailEnd type="triangle"/>
+          </a:ln>
+        </p:spPr>
+        <p:style>
+          <a:lnRef idx="1">
+            <a:schemeClr val="dk1"/>
+          </a:lnRef>
+          <a:fillRef idx="0">
+            <a:schemeClr val="dk1"/>
+          </a:fillRef>
+          <a:effectRef idx="0">
+            <a:schemeClr val="dk1"/>
+          </a:effectRef>
+          <a:fontRef idx="minor">
+            <a:schemeClr val="tx1"/>
+          </a:fontRef>
+        </p:style>
+      </p:cxnSp>
+      <p:grpSp>
+        <p:nvGrpSpPr>
+          <p:cNvPr id="220" name="Group 219"/>
+          <p:cNvGrpSpPr/>
+          <p:nvPr/>
+        </p:nvGrpSpPr>
+        <p:grpSpPr>
+          <a:xfrm>
+            <a:off x="9501963" y="3568206"/>
+            <a:ext cx="1072832" cy="317652"/>
+            <a:chOff x="1533525" y="1428750"/>
+            <a:chExt cx="1076325" cy="457200"/>
+          </a:xfrm>
+        </p:grpSpPr>
+        <p:sp>
+          <p:nvSpPr>
+            <p:cNvPr id="221" name="Rounded Rectangle 220"/>
+            <p:cNvSpPr/>
+            <p:nvPr/>
+          </p:nvSpPr>
+          <p:spPr>
+            <a:xfrm>
+              <a:off x="1533525" y="1428750"/>
+              <a:ext cx="1076325" cy="457200"/>
+            </a:xfrm>
+            <a:prstGeom prst="roundRect">
+              <a:avLst/>
+            </a:prstGeom>
+            <a:noFill/>
+            <a:ln>
+              <a:solidFill>
+                <a:schemeClr val="tx1"/>
+              </a:solidFill>
+            </a:ln>
+          </p:spPr>
+          <p:style>
+            <a:lnRef idx="2">
+              <a:schemeClr val="accent1">
+                <a:shade val="50000"/>
+              </a:schemeClr>
+            </a:lnRef>
+            <a:fillRef idx="1">
+              <a:schemeClr val="accent1"/>
+            </a:fillRef>
+            <a:effectRef idx="0">
+              <a:schemeClr val="accent1"/>
+            </a:effectRef>
+            <a:fontRef idx="minor">
+              <a:schemeClr val="lt1"/>
+            </a:fontRef>
+          </p:style>
+          <p:txBody>
+            <a:bodyPr rtlCol="0" anchor="ctr"/>
+            <a:lstStyle/>
+            <a:p>
+              <a:pPr algn="ctr"/>
+              <a:endParaRPr lang="en-GB"/>
+            </a:p>
+          </p:txBody>
+        </p:sp>
+        <p:sp>
+          <p:nvSpPr>
+            <p:cNvPr id="222" name="TextBox 221"/>
+            <p:cNvSpPr txBox="1"/>
+            <p:nvPr/>
+          </p:nvSpPr>
+          <p:spPr>
+            <a:xfrm>
+              <a:off x="1590040" y="1457682"/>
+              <a:ext cx="981075" cy="376538"/>
+            </a:xfrm>
+            <a:prstGeom prst="rect">
+              <a:avLst/>
+            </a:prstGeom>
+            <a:noFill/>
+          </p:spPr>
+          <p:txBody>
+            <a:bodyPr wrap="square" rtlCol="0">
+              <a:spAutoFit/>
+            </a:bodyPr>
+            <a:lstStyle/>
+            <a:p>
+              <a:pPr algn="ctr"/>
+              <a:r>
+                <a:rPr lang="en-GB" sz="1100" dirty="0" smtClean="0"/>
+                <a:t>List is sorted</a:t>
+              </a:r>
+              <a:endParaRPr lang="en-GB" sz="1100" dirty="0"/>
+            </a:p>
+          </p:txBody>
+        </p:sp>
+      </p:grpSp>
+      <p:grpSp>
+        <p:nvGrpSpPr>
+          <p:cNvPr id="223" name="Group 222"/>
+          <p:cNvGrpSpPr/>
+          <p:nvPr/>
+        </p:nvGrpSpPr>
+        <p:grpSpPr>
+          <a:xfrm>
+            <a:off x="10857898" y="2847673"/>
+            <a:ext cx="970547" cy="438150"/>
+            <a:chOff x="457200" y="2209800"/>
+            <a:chExt cx="970547" cy="438150"/>
+          </a:xfrm>
+        </p:grpSpPr>
+        <p:sp>
+          <p:nvSpPr>
+            <p:cNvPr id="224" name="Rectangle 223"/>
+            <p:cNvSpPr/>
+            <p:nvPr/>
+          </p:nvSpPr>
+          <p:spPr>
+            <a:xfrm>
+              <a:off x="457200" y="2209800"/>
+              <a:ext cx="970547" cy="438150"/>
+            </a:xfrm>
+            <a:prstGeom prst="rect">
+              <a:avLst/>
+            </a:prstGeom>
+            <a:noFill/>
+            <a:ln>
+              <a:solidFill>
+                <a:schemeClr val="tx1"/>
+              </a:solidFill>
+            </a:ln>
+          </p:spPr>
+          <p:style>
+            <a:lnRef idx="2">
+              <a:schemeClr val="accent1">
+                <a:shade val="50000"/>
+              </a:schemeClr>
+            </a:lnRef>
+            <a:fillRef idx="1">
+              <a:schemeClr val="accent1"/>
+            </a:fillRef>
+            <a:effectRef idx="0">
+              <a:schemeClr val="accent1"/>
+            </a:effectRef>
+            <a:fontRef idx="minor">
+              <a:schemeClr val="lt1"/>
+            </a:fontRef>
+          </p:style>
+          <p:txBody>
+            <a:bodyPr rtlCol="0" anchor="ctr"/>
+            <a:lstStyle/>
+            <a:p>
+              <a:pPr algn="ctr"/>
+              <a:endParaRPr lang="en-GB"/>
+            </a:p>
+          </p:txBody>
+        </p:sp>
+        <p:sp>
+          <p:nvSpPr>
+            <p:cNvPr id="225" name="TextBox 224"/>
+            <p:cNvSpPr txBox="1"/>
+            <p:nvPr/>
+          </p:nvSpPr>
+          <p:spPr>
+            <a:xfrm>
+              <a:off x="457200" y="2210134"/>
+              <a:ext cx="970547" cy="430887"/>
+            </a:xfrm>
+            <a:prstGeom prst="rect">
+              <a:avLst/>
+            </a:prstGeom>
+            <a:noFill/>
+          </p:spPr>
+          <p:txBody>
+            <a:bodyPr wrap="square" rtlCol="0">
+              <a:spAutoFit/>
+            </a:bodyPr>
+            <a:lstStyle/>
+            <a:p>
+              <a:pPr algn="ctr"/>
+              <a:r>
+                <a:rPr lang="en-GB" sz="1100" dirty="0" smtClean="0"/>
+                <a:t>User list sort input </a:t>
+              </a:r>
+              <a:endParaRPr lang="en-GB" sz="1100" dirty="0"/>
+            </a:p>
+          </p:txBody>
+        </p:sp>
+      </p:grpSp>
+      <p:grpSp>
+        <p:nvGrpSpPr>
+          <p:cNvPr id="228" name="Group 227"/>
+          <p:cNvGrpSpPr/>
+          <p:nvPr/>
+        </p:nvGrpSpPr>
+        <p:grpSpPr>
+          <a:xfrm>
+            <a:off x="10831390" y="3498432"/>
+            <a:ext cx="1023561" cy="466107"/>
+            <a:chOff x="1533525" y="1428750"/>
+            <a:chExt cx="1076325" cy="466107"/>
+          </a:xfrm>
+        </p:grpSpPr>
+        <p:sp>
+          <p:nvSpPr>
+            <p:cNvPr id="229" name="Rounded Rectangle 228"/>
+            <p:cNvSpPr/>
+            <p:nvPr/>
+          </p:nvSpPr>
+          <p:spPr>
+            <a:xfrm>
+              <a:off x="1533525" y="1428750"/>
+              <a:ext cx="1076325" cy="457200"/>
+            </a:xfrm>
+            <a:prstGeom prst="roundRect">
+              <a:avLst/>
+            </a:prstGeom>
+            <a:noFill/>
+            <a:ln>
+              <a:solidFill>
+                <a:schemeClr val="tx1"/>
+              </a:solidFill>
+            </a:ln>
+          </p:spPr>
+          <p:style>
+            <a:lnRef idx="2">
+              <a:schemeClr val="accent1">
+                <a:shade val="50000"/>
+              </a:schemeClr>
+            </a:lnRef>
+            <a:fillRef idx="1">
+              <a:schemeClr val="accent1"/>
+            </a:fillRef>
+            <a:effectRef idx="0">
+              <a:schemeClr val="accent1"/>
+            </a:effectRef>
+            <a:fontRef idx="minor">
+              <a:schemeClr val="lt1"/>
+            </a:fontRef>
+          </p:style>
+          <p:txBody>
+            <a:bodyPr rtlCol="0" anchor="ctr"/>
+            <a:lstStyle/>
+            <a:p>
+              <a:pPr algn="ctr"/>
+              <a:endParaRPr lang="en-GB"/>
+            </a:p>
+          </p:txBody>
+        </p:sp>
+        <p:sp>
+          <p:nvSpPr>
+            <p:cNvPr id="230" name="TextBox 229"/>
+            <p:cNvSpPr txBox="1"/>
+            <p:nvPr/>
+          </p:nvSpPr>
+          <p:spPr>
+            <a:xfrm>
+              <a:off x="1578003" y="1463970"/>
+              <a:ext cx="981075" cy="430887"/>
+            </a:xfrm>
+            <a:prstGeom prst="rect">
+              <a:avLst/>
+            </a:prstGeom>
+            <a:noFill/>
+          </p:spPr>
+          <p:txBody>
+            <a:bodyPr wrap="square" rtlCol="0">
+              <a:spAutoFit/>
+            </a:bodyPr>
+            <a:lstStyle/>
+            <a:p>
+              <a:pPr algn="ctr"/>
+              <a:r>
+                <a:rPr lang="en-GB" sz="1100" dirty="0" smtClean="0"/>
+                <a:t>Receive user input    </a:t>
+              </a:r>
+              <a:endParaRPr lang="en-GB" sz="1100" dirty="0"/>
+            </a:p>
+          </p:txBody>
+        </p:sp>
+      </p:grpSp>
+      <p:cxnSp>
+        <p:nvCxnSpPr>
+          <p:cNvPr id="232" name="Curved Connector 231"/>
+          <p:cNvCxnSpPr>
+            <a:stCxn id="154" idx="1"/>
+            <a:endCxn id="229" idx="3"/>
+          </p:cNvCxnSpPr>
+          <p:nvPr/>
+        </p:nvCxnSpPr>
+        <p:spPr>
+          <a:xfrm flipV="1">
+            <a:off x="11504693" y="3727032"/>
+            <a:ext cx="350258" cy="1303426"/>
+          </a:xfrm>
+          <a:prstGeom prst="curvedConnector3">
+            <a:avLst>
+              <a:gd name="adj1" fmla="val 165266"/>
+            </a:avLst>
+          </a:prstGeom>
+          <a:ln>
+            <a:tailEnd type="triangle"/>
+          </a:ln>
+        </p:spPr>
+        <p:style>
+          <a:lnRef idx="1">
+            <a:schemeClr val="dk1"/>
+          </a:lnRef>
+          <a:fillRef idx="0">
+            <a:schemeClr val="dk1"/>
+          </a:fillRef>
+          <a:effectRef idx="0">
+            <a:schemeClr val="dk1"/>
+          </a:effectRef>
+          <a:fontRef idx="minor">
+            <a:schemeClr val="tx1"/>
+          </a:fontRef>
+        </p:style>
+      </p:cxnSp>
+      <p:cxnSp>
+        <p:nvCxnSpPr>
+          <p:cNvPr id="234" name="Straight Arrow Connector 233"/>
+          <p:cNvCxnSpPr>
+            <a:stCxn id="229" idx="1"/>
+            <a:endCxn id="221" idx="3"/>
+          </p:cNvCxnSpPr>
+          <p:nvPr/>
+        </p:nvCxnSpPr>
+        <p:spPr>
+          <a:xfrm flipH="1">
+            <a:off x="10574795" y="3727032"/>
+            <a:ext cx="256595" cy="0"/>
+          </a:xfrm>
+          <a:prstGeom prst="straightConnector1">
+            <a:avLst/>
+          </a:prstGeom>
+          <a:ln>
+            <a:tailEnd type="triangle"/>
+          </a:ln>
+        </p:spPr>
+        <p:style>
+          <a:lnRef idx="1">
+            <a:schemeClr val="dk1"/>
+          </a:lnRef>
+          <a:fillRef idx="0">
+            <a:schemeClr val="dk1"/>
+          </a:fillRef>
+          <a:effectRef idx="0">
+            <a:schemeClr val="dk1"/>
+          </a:effectRef>
+          <a:fontRef idx="minor">
+            <a:schemeClr val="tx1"/>
+          </a:fontRef>
+        </p:style>
+      </p:cxnSp>
+      <p:cxnSp>
+        <p:nvCxnSpPr>
+          <p:cNvPr id="236" name="Straight Arrow Connector 235"/>
+          <p:cNvCxnSpPr>
+            <a:stCxn id="224" idx="2"/>
+            <a:endCxn id="229" idx="0"/>
+          </p:cNvCxnSpPr>
+          <p:nvPr/>
+        </p:nvCxnSpPr>
+        <p:spPr>
+          <a:xfrm flipH="1">
+            <a:off x="11343171" y="3285823"/>
+            <a:ext cx="1" cy="212609"/>
+          </a:xfrm>
+          <a:prstGeom prst="straightConnector1">
+            <a:avLst/>
+          </a:prstGeom>
+          <a:ln>
+            <a:tailEnd type="triangle"/>
+          </a:ln>
+        </p:spPr>
+        <p:style>
+          <a:lnRef idx="1">
+            <a:schemeClr val="dk1"/>
+          </a:lnRef>
+          <a:fillRef idx="0">
+            <a:schemeClr val="dk1"/>
+          </a:fillRef>
+          <a:effectRef idx="0">
+            <a:schemeClr val="dk1"/>
+          </a:effectRef>
+          <a:fontRef idx="minor">
+            <a:schemeClr val="tx1"/>
+          </a:fontRef>
+        </p:style>
+      </p:cxnSp>
+      <p:grpSp>
+        <p:nvGrpSpPr>
+          <p:cNvPr id="237" name="Group 236"/>
+          <p:cNvGrpSpPr/>
+          <p:nvPr/>
+        </p:nvGrpSpPr>
+        <p:grpSpPr>
+          <a:xfrm>
+            <a:off x="8183386" y="3568206"/>
+            <a:ext cx="1199105" cy="317652"/>
+            <a:chOff x="1470182" y="1428750"/>
+            <a:chExt cx="1203010" cy="457200"/>
+          </a:xfrm>
+        </p:grpSpPr>
+        <p:sp>
+          <p:nvSpPr>
+            <p:cNvPr id="238" name="Rounded Rectangle 237"/>
+            <p:cNvSpPr/>
+            <p:nvPr/>
+          </p:nvSpPr>
+          <p:spPr>
+            <a:xfrm>
+              <a:off x="1533525" y="1428750"/>
+              <a:ext cx="1076325" cy="457200"/>
+            </a:xfrm>
+            <a:prstGeom prst="roundRect">
+              <a:avLst/>
+            </a:prstGeom>
+            <a:noFill/>
+            <a:ln>
+              <a:solidFill>
+                <a:schemeClr val="tx1"/>
+              </a:solidFill>
+            </a:ln>
+          </p:spPr>
+          <p:style>
+            <a:lnRef idx="2">
+              <a:schemeClr val="accent1">
+                <a:shade val="50000"/>
+              </a:schemeClr>
+            </a:lnRef>
+            <a:fillRef idx="1">
+              <a:schemeClr val="accent1"/>
+            </a:fillRef>
+            <a:effectRef idx="0">
+              <a:schemeClr val="accent1"/>
+            </a:effectRef>
+            <a:fontRef idx="minor">
+              <a:schemeClr val="lt1"/>
+            </a:fontRef>
+          </p:style>
+          <p:txBody>
+            <a:bodyPr rtlCol="0" anchor="ctr"/>
+            <a:lstStyle/>
+            <a:p>
+              <a:pPr algn="ctr"/>
+              <a:endParaRPr lang="en-GB"/>
+            </a:p>
+          </p:txBody>
+        </p:sp>
+        <p:sp>
+          <p:nvSpPr>
+            <p:cNvPr id="239" name="TextBox 238"/>
+            <p:cNvSpPr txBox="1"/>
+            <p:nvPr/>
+          </p:nvSpPr>
+          <p:spPr>
+            <a:xfrm>
+              <a:off x="1470182" y="1477695"/>
+              <a:ext cx="1203010" cy="354389"/>
+            </a:xfrm>
+            <a:prstGeom prst="rect">
+              <a:avLst/>
+            </a:prstGeom>
+            <a:noFill/>
+          </p:spPr>
+          <p:txBody>
+            <a:bodyPr wrap="square" rtlCol="0">
+              <a:spAutoFit/>
+            </a:bodyPr>
+            <a:lstStyle/>
+            <a:p>
+              <a:pPr algn="ctr"/>
+              <a:r>
+                <a:rPr lang="en-GB" sz="1000" dirty="0" smtClean="0"/>
+                <a:t>Display sorted list </a:t>
+              </a:r>
+              <a:endParaRPr lang="en-GB" sz="1000" dirty="0"/>
+            </a:p>
+          </p:txBody>
+        </p:sp>
+      </p:grpSp>
+      <p:grpSp>
+        <p:nvGrpSpPr>
+          <p:cNvPr id="240" name="Group 239"/>
+          <p:cNvGrpSpPr/>
+          <p:nvPr/>
+        </p:nvGrpSpPr>
+        <p:grpSpPr>
+          <a:xfrm>
+            <a:off x="9640737" y="5692723"/>
+            <a:ext cx="1236975" cy="430887"/>
+            <a:chOff x="1442465" y="1329360"/>
+            <a:chExt cx="1241003" cy="620180"/>
+          </a:xfrm>
+        </p:grpSpPr>
+        <p:sp>
+          <p:nvSpPr>
+            <p:cNvPr id="241" name="Rounded Rectangle 240"/>
+            <p:cNvSpPr/>
+            <p:nvPr/>
+          </p:nvSpPr>
+          <p:spPr>
+            <a:xfrm>
+              <a:off x="1533525" y="1428750"/>
+              <a:ext cx="1076325" cy="457200"/>
+            </a:xfrm>
+            <a:prstGeom prst="roundRect">
+              <a:avLst/>
+            </a:prstGeom>
+            <a:noFill/>
+            <a:ln>
+              <a:solidFill>
+                <a:schemeClr val="tx1"/>
+              </a:solidFill>
+            </a:ln>
+          </p:spPr>
+          <p:style>
+            <a:lnRef idx="2">
+              <a:schemeClr val="accent1">
+                <a:shade val="50000"/>
+              </a:schemeClr>
+            </a:lnRef>
+            <a:fillRef idx="1">
+              <a:schemeClr val="accent1"/>
+            </a:fillRef>
+            <a:effectRef idx="0">
+              <a:schemeClr val="accent1"/>
+            </a:effectRef>
+            <a:fontRef idx="minor">
+              <a:schemeClr val="lt1"/>
+            </a:fontRef>
+          </p:style>
+          <p:txBody>
+            <a:bodyPr rtlCol="0" anchor="ctr"/>
+            <a:lstStyle/>
+            <a:p>
+              <a:pPr algn="ctr"/>
+              <a:endParaRPr lang="en-GB"/>
+            </a:p>
+          </p:txBody>
+        </p:sp>
+        <p:sp>
+          <p:nvSpPr>
+            <p:cNvPr id="242" name="TextBox 241"/>
+            <p:cNvSpPr txBox="1"/>
+            <p:nvPr/>
+          </p:nvSpPr>
+          <p:spPr>
+            <a:xfrm>
+              <a:off x="1442465" y="1329360"/>
+              <a:ext cx="1241003" cy="620180"/>
+            </a:xfrm>
+            <a:prstGeom prst="rect">
+              <a:avLst/>
+            </a:prstGeom>
+            <a:noFill/>
+          </p:spPr>
+          <p:txBody>
+            <a:bodyPr wrap="square" rtlCol="0">
+              <a:spAutoFit/>
+            </a:bodyPr>
+            <a:lstStyle/>
+            <a:p>
+              <a:pPr algn="ctr"/>
+              <a:r>
+                <a:rPr lang="en-GB" sz="1100" dirty="0" smtClean="0"/>
+                <a:t>Highlight picked ones  </a:t>
+              </a:r>
+              <a:endParaRPr lang="en-GB" sz="1100" dirty="0"/>
+            </a:p>
+          </p:txBody>
+        </p:sp>
+      </p:grpSp>
+      <p:cxnSp>
+        <p:nvCxnSpPr>
+          <p:cNvPr id="247" name="Straight Arrow Connector 246"/>
+          <p:cNvCxnSpPr>
+            <a:stCxn id="221" idx="1"/>
+            <a:endCxn id="238" idx="3"/>
+          </p:cNvCxnSpPr>
+          <p:nvPr/>
+        </p:nvCxnSpPr>
+        <p:spPr>
+          <a:xfrm flipH="1">
+            <a:off x="9319354" y="3727032"/>
+            <a:ext cx="182609" cy="0"/>
+          </a:xfrm>
+          <a:prstGeom prst="straightConnector1">
+            <a:avLst/>
+          </a:prstGeom>
+          <a:ln>
+            <a:tailEnd type="triangle"/>
+          </a:ln>
+        </p:spPr>
+        <p:style>
+          <a:lnRef idx="1">
+            <a:schemeClr val="dk1"/>
+          </a:lnRef>
+          <a:fillRef idx="0">
+            <a:schemeClr val="dk1"/>
+          </a:fillRef>
+          <a:effectRef idx="0">
+            <a:schemeClr val="dk1"/>
+          </a:effectRef>
+          <a:fontRef idx="minor">
+            <a:schemeClr val="tx1"/>
+          </a:fontRef>
+        </p:style>
+      </p:cxnSp>
+      <p:cxnSp>
+        <p:nvCxnSpPr>
+          <p:cNvPr id="253" name="Straight Arrow Connector 252"/>
+          <p:cNvCxnSpPr>
+            <a:stCxn id="238" idx="0"/>
+          </p:cNvCxnSpPr>
+          <p:nvPr/>
+        </p:nvCxnSpPr>
+        <p:spPr>
+          <a:xfrm flipH="1" flipV="1">
+            <a:off x="8776960" y="3252754"/>
+            <a:ext cx="5979" cy="315452"/>
+          </a:xfrm>
+          <a:prstGeom prst="straightConnector1">
+            <a:avLst/>
+          </a:prstGeom>
+          <a:ln>
+            <a:tailEnd type="triangle"/>
+          </a:ln>
+        </p:spPr>
+        <p:style>
+          <a:lnRef idx="1">
+            <a:schemeClr val="dk1"/>
+          </a:lnRef>
+          <a:fillRef idx="0">
+            <a:schemeClr val="dk1"/>
+          </a:fillRef>
+          <a:effectRef idx="0">
+            <a:schemeClr val="dk1"/>
+          </a:effectRef>
+          <a:fontRef idx="minor">
+            <a:schemeClr val="tx1"/>
+          </a:fontRef>
+        </p:style>
+      </p:cxnSp>
+      <p:sp>
+        <p:nvSpPr>
+          <p:cNvPr id="254" name="Flowchart: Decision 253"/>
+          <p:cNvSpPr/>
+          <p:nvPr/>
+        </p:nvSpPr>
+        <p:spPr>
+          <a:xfrm rot="16200000">
+            <a:off x="8549498" y="2845991"/>
+            <a:ext cx="454925" cy="304800"/>
+          </a:xfrm>
+          <a:prstGeom prst="flowChartDecision">
+            <a:avLst/>
+          </a:prstGeom>
+          <a:noFill/>
+          <a:ln>
+            <a:solidFill>
+              <a:schemeClr val="tx1"/>
+            </a:solidFill>
+          </a:ln>
+        </p:spPr>
+        <p:style>
+          <a:lnRef idx="2">
+            <a:schemeClr val="accent1">
+              <a:shade val="50000"/>
+            </a:schemeClr>
+          </a:lnRef>
+          <a:fillRef idx="1">
+            <a:schemeClr val="accent1"/>
+          </a:fillRef>
+          <a:effectRef idx="0">
+            <a:schemeClr val="accent1"/>
+          </a:effectRef>
+          <a:fontRef idx="minor">
+            <a:schemeClr val="lt1"/>
+          </a:fontRef>
+        </p:style>
+        <p:txBody>
+          <a:bodyPr rtlCol="0" anchor="ctr"/>
+          <a:lstStyle/>
+          <a:p>
+            <a:pPr algn="ctr"/>
+            <a:endParaRPr lang="en-GB"/>
+          </a:p>
+        </p:txBody>
+      </p:sp>
+      <p:sp>
+        <p:nvSpPr>
+          <p:cNvPr id="255" name="TextBox 254"/>
+          <p:cNvSpPr txBox="1"/>
+          <p:nvPr/>
+        </p:nvSpPr>
+        <p:spPr>
+          <a:xfrm>
+            <a:off x="8783530" y="2619164"/>
+            <a:ext cx="1338113" cy="230832"/>
+          </a:xfrm>
+          <a:prstGeom prst="rect">
+            <a:avLst/>
+          </a:prstGeom>
+          <a:noFill/>
+        </p:spPr>
+        <p:txBody>
+          <a:bodyPr wrap="square" rtlCol="0">
+            <a:spAutoFit/>
+          </a:bodyPr>
+          <a:lstStyle/>
+          <a:p>
+            <a:r>
+              <a:rPr lang="en-GB" sz="900" dirty="0" smtClean="0"/>
+              <a:t>[</a:t>
+            </a:r>
+            <a:r>
+              <a:rPr lang="en-GB" sz="900" dirty="0" smtClean="0"/>
+              <a:t>descending</a:t>
+            </a:r>
+            <a:r>
+              <a:rPr lang="en-GB" sz="900" dirty="0" smtClean="0"/>
+              <a:t> </a:t>
+            </a:r>
+            <a:r>
+              <a:rPr lang="en-GB" sz="900" dirty="0" smtClean="0"/>
+              <a:t>button]</a:t>
+            </a:r>
+            <a:endParaRPr lang="en-GB" sz="900" dirty="0"/>
+          </a:p>
+        </p:txBody>
+      </p:sp>
+      <p:sp>
+        <p:nvSpPr>
+          <p:cNvPr id="256" name="TextBox 255"/>
+          <p:cNvSpPr txBox="1"/>
+          <p:nvPr/>
+        </p:nvSpPr>
+        <p:spPr>
+          <a:xfrm>
+            <a:off x="7742737" y="2550479"/>
+            <a:ext cx="1242207" cy="230832"/>
+          </a:xfrm>
+          <a:prstGeom prst="rect">
+            <a:avLst/>
+          </a:prstGeom>
+          <a:noFill/>
+        </p:spPr>
+        <p:txBody>
+          <a:bodyPr wrap="square" rtlCol="0">
+            <a:spAutoFit/>
+          </a:bodyPr>
+          <a:lstStyle/>
+          <a:p>
+            <a:r>
+              <a:rPr lang="en-GB" sz="900" dirty="0" smtClean="0"/>
+              <a:t>[Ascending button]</a:t>
+            </a:r>
+            <a:endParaRPr lang="en-GB" sz="900" dirty="0"/>
+          </a:p>
+        </p:txBody>
+      </p:sp>
+      <p:grpSp>
+        <p:nvGrpSpPr>
+          <p:cNvPr id="257" name="Group 256"/>
+          <p:cNvGrpSpPr/>
+          <p:nvPr/>
+        </p:nvGrpSpPr>
+        <p:grpSpPr>
+          <a:xfrm>
+            <a:off x="9734473" y="2833114"/>
+            <a:ext cx="854324" cy="317652"/>
+            <a:chOff x="1533525" y="1428750"/>
+            <a:chExt cx="1128933" cy="457200"/>
+          </a:xfrm>
+        </p:grpSpPr>
+        <p:sp>
+          <p:nvSpPr>
+            <p:cNvPr id="258" name="Rounded Rectangle 257"/>
+            <p:cNvSpPr/>
+            <p:nvPr/>
+          </p:nvSpPr>
+          <p:spPr>
+            <a:xfrm>
+              <a:off x="1533525" y="1428750"/>
+              <a:ext cx="1076325" cy="457200"/>
+            </a:xfrm>
+            <a:prstGeom prst="roundRect">
+              <a:avLst/>
+            </a:prstGeom>
+            <a:noFill/>
+            <a:ln>
+              <a:solidFill>
+                <a:schemeClr val="tx1"/>
+              </a:solidFill>
+            </a:ln>
+          </p:spPr>
+          <p:style>
+            <a:lnRef idx="2">
+              <a:schemeClr val="accent1">
+                <a:shade val="50000"/>
+              </a:schemeClr>
+            </a:lnRef>
+            <a:fillRef idx="1">
+              <a:schemeClr val="accent1"/>
+            </a:fillRef>
+            <a:effectRef idx="0">
+              <a:schemeClr val="accent1"/>
+            </a:effectRef>
+            <a:fontRef idx="minor">
+              <a:schemeClr val="lt1"/>
+            </a:fontRef>
+          </p:style>
+          <p:txBody>
+            <a:bodyPr rtlCol="0" anchor="ctr"/>
+            <a:lstStyle/>
+            <a:p>
+              <a:pPr algn="ctr"/>
+              <a:endParaRPr lang="en-GB"/>
+            </a:p>
+          </p:txBody>
+        </p:sp>
+        <p:sp>
+          <p:nvSpPr>
+            <p:cNvPr id="259" name="TextBox 258"/>
+            <p:cNvSpPr txBox="1"/>
+            <p:nvPr/>
+          </p:nvSpPr>
+          <p:spPr>
+            <a:xfrm>
+              <a:off x="1554927" y="1492077"/>
+              <a:ext cx="1107531" cy="354389"/>
+            </a:xfrm>
+            <a:prstGeom prst="rect">
+              <a:avLst/>
+            </a:prstGeom>
+            <a:noFill/>
+          </p:spPr>
+          <p:txBody>
+            <a:bodyPr wrap="square" rtlCol="0">
+              <a:spAutoFit/>
+            </a:bodyPr>
+            <a:lstStyle/>
+            <a:p>
+              <a:pPr algn="ctr"/>
+              <a:r>
+                <a:rPr lang="en-GB" sz="1000" dirty="0" smtClean="0"/>
+                <a:t>Open menu</a:t>
+              </a:r>
+              <a:endParaRPr lang="en-GB" sz="1000" dirty="0"/>
+            </a:p>
+          </p:txBody>
+        </p:sp>
+      </p:grpSp>
+      <p:cxnSp>
+        <p:nvCxnSpPr>
+          <p:cNvPr id="263" name="Straight Arrow Connector 262"/>
+          <p:cNvCxnSpPr>
+            <a:stCxn id="254" idx="2"/>
+            <a:endCxn id="259" idx="1"/>
+          </p:cNvCxnSpPr>
+          <p:nvPr/>
+        </p:nvCxnSpPr>
+        <p:spPr>
+          <a:xfrm>
+            <a:off x="8929361" y="2998391"/>
+            <a:ext cx="821308" cy="1832"/>
+          </a:xfrm>
+          <a:prstGeom prst="straightConnector1">
+            <a:avLst/>
+          </a:prstGeom>
+          <a:ln>
+            <a:tailEnd type="triangle"/>
+          </a:ln>
+        </p:spPr>
+        <p:style>
+          <a:lnRef idx="1">
+            <a:schemeClr val="dk1"/>
+          </a:lnRef>
+          <a:fillRef idx="0">
+            <a:schemeClr val="dk1"/>
+          </a:fillRef>
+          <a:effectRef idx="0">
+            <a:schemeClr val="dk1"/>
+          </a:effectRef>
+          <a:fontRef idx="minor">
+            <a:schemeClr val="tx1"/>
+          </a:fontRef>
+        </p:style>
+      </p:cxnSp>
+      <p:grpSp>
+        <p:nvGrpSpPr>
+          <p:cNvPr id="273" name="Group 272"/>
+          <p:cNvGrpSpPr/>
+          <p:nvPr/>
+        </p:nvGrpSpPr>
+        <p:grpSpPr>
+          <a:xfrm>
+            <a:off x="8984944" y="1322047"/>
+            <a:ext cx="357631" cy="357631"/>
+            <a:chOff x="9157460" y="800032"/>
+            <a:chExt cx="357631" cy="357631"/>
+          </a:xfrm>
+        </p:grpSpPr>
+        <p:sp>
+          <p:nvSpPr>
+            <p:cNvPr id="271" name="Oval 270"/>
+            <p:cNvSpPr/>
+            <p:nvPr/>
+          </p:nvSpPr>
+          <p:spPr>
+            <a:xfrm>
+              <a:off x="9157460" y="800032"/>
+              <a:ext cx="357631" cy="357631"/>
+            </a:xfrm>
+            <a:prstGeom prst="ellipse">
+              <a:avLst/>
+            </a:prstGeom>
+            <a:solidFill>
+              <a:schemeClr val="bg1"/>
+            </a:solidFill>
+            <a:ln>
+              <a:solidFill>
+                <a:schemeClr val="tx1"/>
+              </a:solidFill>
+            </a:ln>
+          </p:spPr>
+          <p:style>
+            <a:lnRef idx="2">
+              <a:schemeClr val="accent1">
+                <a:shade val="50000"/>
+              </a:schemeClr>
+            </a:lnRef>
+            <a:fillRef idx="1">
+              <a:schemeClr val="accent1"/>
+            </a:fillRef>
+            <a:effectRef idx="0">
+              <a:schemeClr val="accent1"/>
+            </a:effectRef>
+            <a:fontRef idx="minor">
+              <a:schemeClr val="lt1"/>
+            </a:fontRef>
+          </p:style>
+          <p:txBody>
+            <a:bodyPr rtlCol="0" anchor="ctr"/>
+            <a:lstStyle/>
+            <a:p>
+              <a:pPr algn="ctr"/>
+              <a:endParaRPr lang="en-GB"/>
+            </a:p>
+          </p:txBody>
+        </p:sp>
+        <p:sp>
+          <p:nvSpPr>
+            <p:cNvPr id="272" name="Oval 271"/>
+            <p:cNvSpPr/>
+            <p:nvPr/>
+          </p:nvSpPr>
+          <p:spPr>
+            <a:xfrm>
+              <a:off x="9217590" y="863560"/>
+              <a:ext cx="237369" cy="237369"/>
+            </a:xfrm>
+            <a:prstGeom prst="ellipse">
+              <a:avLst/>
+            </a:prstGeom>
+          </p:spPr>
+          <p:style>
+            <a:lnRef idx="2">
+              <a:schemeClr val="dk1">
+                <a:shade val="50000"/>
+              </a:schemeClr>
+            </a:lnRef>
+            <a:fillRef idx="1">
+              <a:schemeClr val="dk1"/>
+            </a:fillRef>
+            <a:effectRef idx="0">
+              <a:schemeClr val="dk1"/>
+            </a:effectRef>
+            <a:fontRef idx="minor">
+              <a:schemeClr val="lt1"/>
+            </a:fontRef>
+          </p:style>
+          <p:txBody>
+            <a:bodyPr rtlCol="0" anchor="ctr"/>
+            <a:lstStyle/>
+            <a:p>
+              <a:pPr algn="ctr"/>
+              <a:endParaRPr lang="en-GB"/>
+            </a:p>
+          </p:txBody>
+        </p:sp>
+      </p:grpSp>
+      <p:grpSp>
+        <p:nvGrpSpPr>
+          <p:cNvPr id="274" name="Group 273"/>
+          <p:cNvGrpSpPr/>
+          <p:nvPr/>
+        </p:nvGrpSpPr>
+        <p:grpSpPr>
+          <a:xfrm>
+            <a:off x="8246523" y="2114279"/>
+            <a:ext cx="1074015" cy="317652"/>
+            <a:chOff x="1364303" y="1428750"/>
+            <a:chExt cx="1419241" cy="457200"/>
+          </a:xfrm>
+        </p:grpSpPr>
+        <p:sp>
+          <p:nvSpPr>
+            <p:cNvPr id="275" name="Rounded Rectangle 274"/>
+            <p:cNvSpPr/>
+            <p:nvPr/>
+          </p:nvSpPr>
+          <p:spPr>
+            <a:xfrm>
+              <a:off x="1533525" y="1428750"/>
+              <a:ext cx="1076325" cy="457200"/>
+            </a:xfrm>
+            <a:prstGeom prst="roundRect">
+              <a:avLst/>
+            </a:prstGeom>
+            <a:noFill/>
+            <a:ln>
+              <a:solidFill>
+                <a:schemeClr val="tx1"/>
+              </a:solidFill>
+            </a:ln>
+          </p:spPr>
+          <p:style>
+            <a:lnRef idx="2">
+              <a:schemeClr val="accent1">
+                <a:shade val="50000"/>
+              </a:schemeClr>
+            </a:lnRef>
+            <a:fillRef idx="1">
+              <a:schemeClr val="accent1"/>
+            </a:fillRef>
+            <a:effectRef idx="0">
+              <a:schemeClr val="accent1"/>
+            </a:effectRef>
+            <a:fontRef idx="minor">
+              <a:schemeClr val="lt1"/>
+            </a:fontRef>
+          </p:style>
+          <p:txBody>
+            <a:bodyPr rtlCol="0" anchor="ctr"/>
+            <a:lstStyle/>
+            <a:p>
+              <a:pPr algn="ctr"/>
+              <a:endParaRPr lang="en-GB"/>
+            </a:p>
+          </p:txBody>
+        </p:sp>
+        <p:sp>
+          <p:nvSpPr>
+            <p:cNvPr id="276" name="TextBox 275"/>
+            <p:cNvSpPr txBox="1"/>
+            <p:nvPr/>
+          </p:nvSpPr>
+          <p:spPr>
+            <a:xfrm>
+              <a:off x="1364303" y="1475661"/>
+              <a:ext cx="1419241" cy="354389"/>
+            </a:xfrm>
+            <a:prstGeom prst="rect">
+              <a:avLst/>
+            </a:prstGeom>
+            <a:noFill/>
+          </p:spPr>
+          <p:txBody>
+            <a:bodyPr wrap="square" rtlCol="0">
+              <a:spAutoFit/>
+            </a:bodyPr>
+            <a:lstStyle/>
+            <a:p>
+              <a:pPr algn="ctr"/>
+              <a:r>
+                <a:rPr lang="en-GB" sz="1000" dirty="0" smtClean="0"/>
+                <a:t>Close program</a:t>
+              </a:r>
+              <a:endParaRPr lang="en-GB" sz="1000" dirty="0"/>
+            </a:p>
+          </p:txBody>
+        </p:sp>
+      </p:grpSp>
+      <p:cxnSp>
+        <p:nvCxnSpPr>
+          <p:cNvPr id="278" name="Straight Arrow Connector 277"/>
+          <p:cNvCxnSpPr>
+            <a:stCxn id="254" idx="3"/>
+            <a:endCxn id="275" idx="2"/>
+          </p:cNvCxnSpPr>
+          <p:nvPr/>
+        </p:nvCxnSpPr>
+        <p:spPr>
+          <a:xfrm flipV="1">
+            <a:off x="8776961" y="2431931"/>
+            <a:ext cx="4877" cy="338998"/>
+          </a:xfrm>
+          <a:prstGeom prst="straightConnector1">
+            <a:avLst/>
+          </a:prstGeom>
+          <a:ln>
+            <a:tailEnd type="triangle"/>
+          </a:ln>
+        </p:spPr>
+        <p:style>
+          <a:lnRef idx="1">
+            <a:schemeClr val="dk1"/>
+          </a:lnRef>
+          <a:fillRef idx="0">
+            <a:schemeClr val="dk1"/>
+          </a:fillRef>
+          <a:effectRef idx="0">
+            <a:schemeClr val="dk1"/>
+          </a:effectRef>
+          <a:fontRef idx="minor">
+            <a:schemeClr val="tx1"/>
+          </a:fontRef>
+        </p:style>
+      </p:cxnSp>
+      <p:cxnSp>
+        <p:nvCxnSpPr>
+          <p:cNvPr id="284" name="Curved Connector 283"/>
+          <p:cNvCxnSpPr>
+            <a:stCxn id="275" idx="0"/>
+            <a:endCxn id="271" idx="2"/>
+          </p:cNvCxnSpPr>
+          <p:nvPr/>
+        </p:nvCxnSpPr>
+        <p:spPr>
+          <a:xfrm rot="5400000" flipH="1" flipV="1">
+            <a:off x="8576683" y="1706018"/>
+            <a:ext cx="613416" cy="203106"/>
+          </a:xfrm>
+          <a:prstGeom prst="curvedConnector2">
+            <a:avLst/>
+          </a:prstGeom>
+          <a:ln>
+            <a:tailEnd type="triangle"/>
+          </a:ln>
+        </p:spPr>
+        <p:style>
+          <a:lnRef idx="1">
+            <a:schemeClr val="dk1"/>
+          </a:lnRef>
+          <a:fillRef idx="0">
+            <a:schemeClr val="dk1"/>
+          </a:fillRef>
+          <a:effectRef idx="0">
+            <a:schemeClr val="dk1"/>
+          </a:effectRef>
+          <a:fontRef idx="minor">
+            <a:schemeClr val="tx1"/>
+          </a:fontRef>
+        </p:style>
+      </p:cxnSp>
+      <p:cxnSp>
+        <p:nvCxnSpPr>
+          <p:cNvPr id="24" name="Curved Connector 23"/>
+          <p:cNvCxnSpPr>
+            <a:stCxn id="204" idx="2"/>
+            <a:endCxn id="241" idx="1"/>
+          </p:cNvCxnSpPr>
+          <p:nvPr/>
+        </p:nvCxnSpPr>
+        <p:spPr>
+          <a:xfrm rot="16200000" flipH="1">
+            <a:off x="9491363" y="5680465"/>
+            <a:ext cx="336924" cy="143351"/>
+          </a:xfrm>
+          <a:prstGeom prst="curvedConnector2">
+            <a:avLst/>
+          </a:prstGeom>
+          <a:ln>
+            <a:tailEnd type="triangle"/>
+          </a:ln>
+        </p:spPr>
+        <p:style>
+          <a:lnRef idx="1">
+            <a:schemeClr val="dk1"/>
+          </a:lnRef>
+          <a:fillRef idx="0">
+            <a:schemeClr val="dk1"/>
+          </a:fillRef>
+          <a:effectRef idx="0">
+            <a:schemeClr val="dk1"/>
+          </a:effectRef>
+          <a:fontRef idx="minor">
+            <a:schemeClr val="tx1"/>
+          </a:fontRef>
+        </p:style>
+      </p:cxnSp>
+      <p:cxnSp>
+        <p:nvCxnSpPr>
+          <p:cNvPr id="226" name="Curved Connector 225"/>
+          <p:cNvCxnSpPr>
+            <a:stCxn id="241" idx="3"/>
+            <a:endCxn id="211" idx="2"/>
+          </p:cNvCxnSpPr>
+          <p:nvPr/>
+        </p:nvCxnSpPr>
+        <p:spPr>
+          <a:xfrm flipV="1">
+            <a:off x="10804333" y="5506728"/>
+            <a:ext cx="43200" cy="413875"/>
+          </a:xfrm>
+          <a:prstGeom prst="curvedConnector2">
+            <a:avLst/>
+          </a:prstGeom>
+          <a:ln>
+            <a:tailEnd type="triangle"/>
+          </a:ln>
+        </p:spPr>
+        <p:style>
+          <a:lnRef idx="1">
+            <a:schemeClr val="dk1"/>
+          </a:lnRef>
+          <a:fillRef idx="0">
+            <a:schemeClr val="dk1"/>
+          </a:fillRef>
+          <a:effectRef idx="0">
+            <a:schemeClr val="dk1"/>
+          </a:effectRef>
+          <a:fontRef idx="minor">
+            <a:schemeClr val="tx1"/>
+          </a:fontRef>
+        </p:style>
+      </p:cxnSp>
+      <p:cxnSp>
+        <p:nvCxnSpPr>
+          <p:cNvPr id="11" name="Straight Arrow Connector 10"/>
+          <p:cNvCxnSpPr>
+            <a:stCxn id="4" idx="6"/>
+            <a:endCxn id="22" idx="1"/>
+          </p:cNvCxnSpPr>
+          <p:nvPr/>
+        </p:nvCxnSpPr>
+        <p:spPr>
+          <a:xfrm flipV="1">
+            <a:off x="2731433" y="1157663"/>
+            <a:ext cx="606078" cy="13156"/>
+          </a:xfrm>
+          <a:prstGeom prst="straightConnector1">
+            <a:avLst/>
+          </a:prstGeom>
+          <a:ln>
+            <a:tailEnd type="triangle"/>
+          </a:ln>
+        </p:spPr>
+        <p:style>
+          <a:lnRef idx="1">
+            <a:schemeClr val="dk1"/>
+          </a:lnRef>
+          <a:fillRef idx="0">
+            <a:schemeClr val="dk1"/>
+          </a:fillRef>
+          <a:effectRef idx="0">
+            <a:schemeClr val="dk1"/>
+          </a:effectRef>
+          <a:fontRef idx="minor">
+            <a:schemeClr val="tx1"/>
+          </a:fontRef>
+        </p:style>
+      </p:cxnSp>
+    </p:spTree>
+    <p:extLst>
+      <p:ext uri="{BB962C8B-B14F-4D97-AF65-F5344CB8AC3E}">
+        <p14:creationId xmlns:p14="http://schemas.microsoft.com/office/powerpoint/2010/main" val="4082373059"/>
+      </p:ext>
+    </p:extLst>
+  </p:cSld>
+  <p:clrMapOvr>
+    <a:masterClrMapping/>
+  </p:clrMapOvr>
+</p:sld>
+</file>
+
 <file path=ppt/theme/theme1.xml><?xml version="1.0" encoding="utf-8"?>
 <a:theme xmlns:a="http://schemas.openxmlformats.org/drawingml/2006/main" name="Office Theme">
   <a:themeElements>
